--- a/AI-DataQuality Analyst/Module6-Pre-process Data as per Specifications/6.3-Tools for Pre-processing Data Session1(10th-0p)/Tools for Pre-processiong Data Session1.pptx
+++ b/AI-DataQuality Analyst/Module6-Pre-process Data as per Specifications/6.3-Tools for Pre-processing Data Session1(10th-0p)/Tools for Pre-processiong Data Session1.pptx
@@ -5,20 +5,19 @@
     <p:sldMasterId id="2147483648" r:id="rId1"/>
   </p:sldMasterIdLst>
   <p:notesMasterIdLst>
-    <p:notesMasterId r:id="rId13"/>
+    <p:notesMasterId r:id="rId12"/>
   </p:notesMasterIdLst>
   <p:sldIdLst>
     <p:sldId id="257" r:id="rId2"/>
     <p:sldId id="256" r:id="rId3"/>
     <p:sldId id="259" r:id="rId4"/>
-    <p:sldId id="260" r:id="rId5"/>
-    <p:sldId id="267" r:id="rId6"/>
-    <p:sldId id="266" r:id="rId7"/>
-    <p:sldId id="262" r:id="rId8"/>
-    <p:sldId id="263" r:id="rId9"/>
-    <p:sldId id="264" r:id="rId10"/>
-    <p:sldId id="265" r:id="rId11"/>
-    <p:sldId id="261" r:id="rId12"/>
+    <p:sldId id="262" r:id="rId5"/>
+    <p:sldId id="263" r:id="rId6"/>
+    <p:sldId id="264" r:id="rId7"/>
+    <p:sldId id="265" r:id="rId8"/>
+    <p:sldId id="266" r:id="rId9"/>
+    <p:sldId id="267" r:id="rId10"/>
+    <p:sldId id="261" r:id="rId11"/>
   </p:sldIdLst>
   <p:sldSz cx="12192000" cy="6858000"/>
   <p:notesSz cx="6858000" cy="9144000"/>
@@ -125,6 +124,300 @@
 </p:presentation>
 </file>
 
+<file path=ppt/changesInfos/changesInfo1.xml><?xml version="1.0" encoding="utf-8"?>
+<pc:chgInfo xmlns:a="http://schemas.openxmlformats.org/drawingml/2006/main" xmlns:r="http://schemas.openxmlformats.org/officeDocument/2006/relationships" xmlns:ac="http://schemas.microsoft.com/office/drawing/2013/main/command" xmlns:pc="http://schemas.microsoft.com/office/powerpoint/2013/main/command">
+  <pc:docChgLst>
+    <pc:chgData name="Krishna Kant Dubey" userId="cd28fa1e1902c48d" providerId="LiveId" clId="{6DA8E9ED-C5B8-436C-BFD4-5A48733A2351}"/>
+    <pc:docChg chg="undo custSel addSld delSld modSld">
+      <pc:chgData name="Krishna Kant Dubey" userId="cd28fa1e1902c48d" providerId="LiveId" clId="{6DA8E9ED-C5B8-436C-BFD4-5A48733A2351}" dt="2025-08-11T14:22:27.479" v="254" actId="27636"/>
+      <pc:docMkLst>
+        <pc:docMk/>
+      </pc:docMkLst>
+      <pc:sldChg chg="modSp mod">
+        <pc:chgData name="Krishna Kant Dubey" userId="cd28fa1e1902c48d" providerId="LiveId" clId="{6DA8E9ED-C5B8-436C-BFD4-5A48733A2351}" dt="2025-08-11T14:06:43.424" v="39" actId="20577"/>
+        <pc:sldMkLst>
+          <pc:docMk/>
+          <pc:sldMk cId="1080327146" sldId="256"/>
+        </pc:sldMkLst>
+        <pc:spChg chg="mod">
+          <ac:chgData name="Krishna Kant Dubey" userId="cd28fa1e1902c48d" providerId="LiveId" clId="{6DA8E9ED-C5B8-436C-BFD4-5A48733A2351}" dt="2025-08-11T14:06:43.424" v="39" actId="20577"/>
+          <ac:spMkLst>
+            <pc:docMk/>
+            <pc:sldMk cId="1080327146" sldId="256"/>
+            <ac:spMk id="12" creationId="{941B6D05-14FE-733C-BADE-E07A8CDD1589}"/>
+          </ac:spMkLst>
+        </pc:spChg>
+      </pc:sldChg>
+      <pc:sldChg chg="addSp modSp">
+        <pc:chgData name="Krishna Kant Dubey" userId="cd28fa1e1902c48d" providerId="LiveId" clId="{6DA8E9ED-C5B8-436C-BFD4-5A48733A2351}" dt="2025-08-11T08:27:07.710" v="0"/>
+        <pc:sldMkLst>
+          <pc:docMk/>
+          <pc:sldMk cId="2381247086" sldId="257"/>
+        </pc:sldMkLst>
+        <pc:picChg chg="add mod">
+          <ac:chgData name="Krishna Kant Dubey" userId="cd28fa1e1902c48d" providerId="LiveId" clId="{6DA8E9ED-C5B8-436C-BFD4-5A48733A2351}" dt="2025-08-11T08:27:07.710" v="0"/>
+          <ac:picMkLst>
+            <pc:docMk/>
+            <pc:sldMk cId="2381247086" sldId="257"/>
+            <ac:picMk id="3" creationId="{49D86A38-3EE8-3EE8-6AF2-C0DB66DB3443}"/>
+          </ac:picMkLst>
+        </pc:picChg>
+      </pc:sldChg>
+      <pc:sldChg chg="modSp mod">
+        <pc:chgData name="Krishna Kant Dubey" userId="cd28fa1e1902c48d" providerId="LiveId" clId="{6DA8E9ED-C5B8-436C-BFD4-5A48733A2351}" dt="2025-08-11T14:06:19.484" v="8" actId="20577"/>
+        <pc:sldMkLst>
+          <pc:docMk/>
+          <pc:sldMk cId="2701513036" sldId="259"/>
+        </pc:sldMkLst>
+        <pc:spChg chg="mod">
+          <ac:chgData name="Krishna Kant Dubey" userId="cd28fa1e1902c48d" providerId="LiveId" clId="{6DA8E9ED-C5B8-436C-BFD4-5A48733A2351}" dt="2025-08-11T14:06:19.484" v="8" actId="20577"/>
+          <ac:spMkLst>
+            <pc:docMk/>
+            <pc:sldMk cId="2701513036" sldId="259"/>
+            <ac:spMk id="13" creationId="{459108AF-66D9-CD3C-DDCE-0CFFD70B496D}"/>
+          </ac:spMkLst>
+        </pc:spChg>
+      </pc:sldChg>
+      <pc:sldChg chg="del">
+        <pc:chgData name="Krishna Kant Dubey" userId="cd28fa1e1902c48d" providerId="LiveId" clId="{6DA8E9ED-C5B8-436C-BFD4-5A48733A2351}" dt="2025-08-11T14:07:03.788" v="40" actId="2696"/>
+        <pc:sldMkLst>
+          <pc:docMk/>
+          <pc:sldMk cId="131540703" sldId="260"/>
+        </pc:sldMkLst>
+      </pc:sldChg>
+      <pc:sldChg chg="del">
+        <pc:chgData name="Krishna Kant Dubey" userId="cd28fa1e1902c48d" providerId="LiveId" clId="{6DA8E9ED-C5B8-436C-BFD4-5A48733A2351}" dt="2025-08-11T14:07:03.788" v="40" actId="2696"/>
+        <pc:sldMkLst>
+          <pc:docMk/>
+          <pc:sldMk cId="1248854694" sldId="262"/>
+        </pc:sldMkLst>
+      </pc:sldChg>
+      <pc:sldChg chg="modSp add mod">
+        <pc:chgData name="Krishna Kant Dubey" userId="cd28fa1e1902c48d" providerId="LiveId" clId="{6DA8E9ED-C5B8-436C-BFD4-5A48733A2351}" dt="2025-08-11T14:12:58.936" v="128" actId="1076"/>
+        <pc:sldMkLst>
+          <pc:docMk/>
+          <pc:sldMk cId="1719800826" sldId="262"/>
+        </pc:sldMkLst>
+        <pc:spChg chg="mod">
+          <ac:chgData name="Krishna Kant Dubey" userId="cd28fa1e1902c48d" providerId="LiveId" clId="{6DA8E9ED-C5B8-436C-BFD4-5A48733A2351}" dt="2025-08-11T14:08:20.794" v="45" actId="27636"/>
+          <ac:spMkLst>
+            <pc:docMk/>
+            <pc:sldMk cId="1719800826" sldId="262"/>
+            <ac:spMk id="12" creationId="{FA27B673-AE28-E879-27B4-85684C607572}"/>
+          </ac:spMkLst>
+        </pc:spChg>
+        <pc:spChg chg="mod">
+          <ac:chgData name="Krishna Kant Dubey" userId="cd28fa1e1902c48d" providerId="LiveId" clId="{6DA8E9ED-C5B8-436C-BFD4-5A48733A2351}" dt="2025-08-11T14:10:08.811" v="88" actId="108"/>
+          <ac:spMkLst>
+            <pc:docMk/>
+            <pc:sldMk cId="1719800826" sldId="262"/>
+            <ac:spMk id="13" creationId="{8196D08E-A671-8FBE-4ED6-A925AED02062}"/>
+          </ac:spMkLst>
+        </pc:spChg>
+        <pc:picChg chg="mod">
+          <ac:chgData name="Krishna Kant Dubey" userId="cd28fa1e1902c48d" providerId="LiveId" clId="{6DA8E9ED-C5B8-436C-BFD4-5A48733A2351}" dt="2025-08-11T14:12:58.936" v="128" actId="1076"/>
+          <ac:picMkLst>
+            <pc:docMk/>
+            <pc:sldMk cId="1719800826" sldId="262"/>
+            <ac:picMk id="9" creationId="{FD832398-6760-CF49-1BE5-45F9E4D1A3A6}"/>
+          </ac:picMkLst>
+        </pc:picChg>
+      </pc:sldChg>
+      <pc:sldChg chg="addSp modSp add mod">
+        <pc:chgData name="Krishna Kant Dubey" userId="cd28fa1e1902c48d" providerId="LiveId" clId="{6DA8E9ED-C5B8-436C-BFD4-5A48733A2351}" dt="2025-08-11T14:22:27.479" v="254" actId="27636"/>
+        <pc:sldMkLst>
+          <pc:docMk/>
+          <pc:sldMk cId="1019743412" sldId="263"/>
+        </pc:sldMkLst>
+        <pc:spChg chg="add">
+          <ac:chgData name="Krishna Kant Dubey" userId="cd28fa1e1902c48d" providerId="LiveId" clId="{6DA8E9ED-C5B8-436C-BFD4-5A48733A2351}" dt="2025-08-11T14:11:22.414" v="97"/>
+          <ac:spMkLst>
+            <pc:docMk/>
+            <pc:sldMk cId="1019743412" sldId="263"/>
+            <ac:spMk id="4" creationId="{34E2C4E0-6776-0761-555F-B61C26942CCF}"/>
+          </ac:spMkLst>
+        </pc:spChg>
+        <pc:spChg chg="add">
+          <ac:chgData name="Krishna Kant Dubey" userId="cd28fa1e1902c48d" providerId="LiveId" clId="{6DA8E9ED-C5B8-436C-BFD4-5A48733A2351}" dt="2025-08-11T14:11:49.752" v="103"/>
+          <ac:spMkLst>
+            <pc:docMk/>
+            <pc:sldMk cId="1019743412" sldId="263"/>
+            <ac:spMk id="5" creationId="{0CCC46EE-1E5F-F654-9787-4186184C2067}"/>
+          </ac:spMkLst>
+        </pc:spChg>
+        <pc:spChg chg="mod">
+          <ac:chgData name="Krishna Kant Dubey" userId="cd28fa1e1902c48d" providerId="LiveId" clId="{6DA8E9ED-C5B8-436C-BFD4-5A48733A2351}" dt="2025-08-11T14:22:24.732" v="252" actId="14100"/>
+          <ac:spMkLst>
+            <pc:docMk/>
+            <pc:sldMk cId="1019743412" sldId="263"/>
+            <ac:spMk id="12" creationId="{B426621A-20EF-C7E5-8A41-7557921F476A}"/>
+          </ac:spMkLst>
+        </pc:spChg>
+        <pc:spChg chg="mod">
+          <ac:chgData name="Krishna Kant Dubey" userId="cd28fa1e1902c48d" providerId="LiveId" clId="{6DA8E9ED-C5B8-436C-BFD4-5A48733A2351}" dt="2025-08-11T14:22:27.479" v="254" actId="27636"/>
+          <ac:spMkLst>
+            <pc:docMk/>
+            <pc:sldMk cId="1019743412" sldId="263"/>
+            <ac:spMk id="13" creationId="{43880A63-D9C7-273C-0F28-5FD8DE6BD04C}"/>
+          </ac:spMkLst>
+        </pc:spChg>
+        <pc:picChg chg="add mod">
+          <ac:chgData name="Krishna Kant Dubey" userId="cd28fa1e1902c48d" providerId="LiveId" clId="{6DA8E9ED-C5B8-436C-BFD4-5A48733A2351}" dt="2025-08-11T14:11:02.381" v="95" actId="1076"/>
+          <ac:picMkLst>
+            <pc:docMk/>
+            <pc:sldMk cId="1019743412" sldId="263"/>
+            <ac:picMk id="3" creationId="{706D0B79-FDAC-0FE3-249F-570D2A0004BD}"/>
+          </ac:picMkLst>
+        </pc:picChg>
+      </pc:sldChg>
+      <pc:sldChg chg="del">
+        <pc:chgData name="Krishna Kant Dubey" userId="cd28fa1e1902c48d" providerId="LiveId" clId="{6DA8E9ED-C5B8-436C-BFD4-5A48733A2351}" dt="2025-08-11T14:07:03.788" v="40" actId="2696"/>
+        <pc:sldMkLst>
+          <pc:docMk/>
+          <pc:sldMk cId="2329110552" sldId="263"/>
+        </pc:sldMkLst>
+      </pc:sldChg>
+      <pc:sldChg chg="del">
+        <pc:chgData name="Krishna Kant Dubey" userId="cd28fa1e1902c48d" providerId="LiveId" clId="{6DA8E9ED-C5B8-436C-BFD4-5A48733A2351}" dt="2025-08-11T14:07:03.788" v="40" actId="2696"/>
+        <pc:sldMkLst>
+          <pc:docMk/>
+          <pc:sldMk cId="3334215418" sldId="264"/>
+        </pc:sldMkLst>
+      </pc:sldChg>
+      <pc:sldChg chg="delSp modSp add mod">
+        <pc:chgData name="Krishna Kant Dubey" userId="cd28fa1e1902c48d" providerId="LiveId" clId="{6DA8E9ED-C5B8-436C-BFD4-5A48733A2351}" dt="2025-08-11T14:16:25.552" v="186" actId="113"/>
+        <pc:sldMkLst>
+          <pc:docMk/>
+          <pc:sldMk cId="3753507712" sldId="264"/>
+        </pc:sldMkLst>
+        <pc:spChg chg="mod">
+          <ac:chgData name="Krishna Kant Dubey" userId="cd28fa1e1902c48d" providerId="LiveId" clId="{6DA8E9ED-C5B8-436C-BFD4-5A48733A2351}" dt="2025-08-11T14:15:46.195" v="170" actId="14100"/>
+          <ac:spMkLst>
+            <pc:docMk/>
+            <pc:sldMk cId="3753507712" sldId="264"/>
+            <ac:spMk id="12" creationId="{D5857262-0EDA-40BA-F93D-7D014C27D2F1}"/>
+          </ac:spMkLst>
+        </pc:spChg>
+        <pc:spChg chg="mod">
+          <ac:chgData name="Krishna Kant Dubey" userId="cd28fa1e1902c48d" providerId="LiveId" clId="{6DA8E9ED-C5B8-436C-BFD4-5A48733A2351}" dt="2025-08-11T14:16:25.552" v="186" actId="113"/>
+          <ac:spMkLst>
+            <pc:docMk/>
+            <pc:sldMk cId="3753507712" sldId="264"/>
+            <ac:spMk id="13" creationId="{EB1C3366-0F15-F856-9831-ABEDABD78F1B}"/>
+          </ac:spMkLst>
+        </pc:spChg>
+        <pc:picChg chg="del">
+          <ac:chgData name="Krishna Kant Dubey" userId="cd28fa1e1902c48d" providerId="LiveId" clId="{6DA8E9ED-C5B8-436C-BFD4-5A48733A2351}" dt="2025-08-11T14:15:33.967" v="166" actId="478"/>
+          <ac:picMkLst>
+            <pc:docMk/>
+            <pc:sldMk cId="3753507712" sldId="264"/>
+            <ac:picMk id="3" creationId="{4FDB1262-2722-A425-F077-4A6493765F32}"/>
+          </ac:picMkLst>
+        </pc:picChg>
+      </pc:sldChg>
+      <pc:sldChg chg="addSp delSp modSp add mod">
+        <pc:chgData name="Krishna Kant Dubey" userId="cd28fa1e1902c48d" providerId="LiveId" clId="{6DA8E9ED-C5B8-436C-BFD4-5A48733A2351}" dt="2025-08-11T14:20:02.529" v="235"/>
+        <pc:sldMkLst>
+          <pc:docMk/>
+          <pc:sldMk cId="1129660429" sldId="265"/>
+        </pc:sldMkLst>
+        <pc:spChg chg="del mod">
+          <ac:chgData name="Krishna Kant Dubey" userId="cd28fa1e1902c48d" providerId="LiveId" clId="{6DA8E9ED-C5B8-436C-BFD4-5A48733A2351}" dt="2025-08-11T14:16:58.829" v="189" actId="3680"/>
+          <ac:spMkLst>
+            <pc:docMk/>
+            <pc:sldMk cId="1129660429" sldId="265"/>
+            <ac:spMk id="13" creationId="{1CC5E6FB-EE72-FD4F-15BD-6A8471CC7C77}"/>
+          </ac:spMkLst>
+        </pc:spChg>
+        <pc:graphicFrameChg chg="add mod ord modGraphic">
+          <ac:chgData name="Krishna Kant Dubey" userId="cd28fa1e1902c48d" providerId="LiveId" clId="{6DA8E9ED-C5B8-436C-BFD4-5A48733A2351}" dt="2025-08-11T14:20:02.529" v="235"/>
+          <ac:graphicFrameMkLst>
+            <pc:docMk/>
+            <pc:sldMk cId="1129660429" sldId="265"/>
+            <ac:graphicFrameMk id="2" creationId="{AEB3FDD8-C32C-EBD0-F5F7-92FF10F1B0C3}"/>
+          </ac:graphicFrameMkLst>
+        </pc:graphicFrameChg>
+      </pc:sldChg>
+      <pc:sldChg chg="del">
+        <pc:chgData name="Krishna Kant Dubey" userId="cd28fa1e1902c48d" providerId="LiveId" clId="{6DA8E9ED-C5B8-436C-BFD4-5A48733A2351}" dt="2025-08-11T14:07:03.788" v="40" actId="2696"/>
+        <pc:sldMkLst>
+          <pc:docMk/>
+          <pc:sldMk cId="1195287565" sldId="265"/>
+        </pc:sldMkLst>
+      </pc:sldChg>
+      <pc:sldChg chg="del">
+        <pc:chgData name="Krishna Kant Dubey" userId="cd28fa1e1902c48d" providerId="LiveId" clId="{6DA8E9ED-C5B8-436C-BFD4-5A48733A2351}" dt="2025-08-11T14:07:03.788" v="40" actId="2696"/>
+        <pc:sldMkLst>
+          <pc:docMk/>
+          <pc:sldMk cId="1370868504" sldId="266"/>
+        </pc:sldMkLst>
+      </pc:sldChg>
+      <pc:sldChg chg="addSp delSp modSp add mod">
+        <pc:chgData name="Krishna Kant Dubey" userId="cd28fa1e1902c48d" providerId="LiveId" clId="{6DA8E9ED-C5B8-436C-BFD4-5A48733A2351}" dt="2025-08-11T14:20:51.619" v="240" actId="14100"/>
+        <pc:sldMkLst>
+          <pc:docMk/>
+          <pc:sldMk cId="3301299580" sldId="266"/>
+        </pc:sldMkLst>
+        <pc:spChg chg="add del mod">
+          <ac:chgData name="Krishna Kant Dubey" userId="cd28fa1e1902c48d" providerId="LiveId" clId="{6DA8E9ED-C5B8-436C-BFD4-5A48733A2351}" dt="2025-08-11T14:20:46.701" v="238" actId="22"/>
+          <ac:spMkLst>
+            <pc:docMk/>
+            <pc:sldMk cId="3301299580" sldId="266"/>
+            <ac:spMk id="4" creationId="{F949EFE4-AA4E-B565-16A8-730939328531}"/>
+          </ac:spMkLst>
+        </pc:spChg>
+        <pc:graphicFrameChg chg="del">
+          <ac:chgData name="Krishna Kant Dubey" userId="cd28fa1e1902c48d" providerId="LiveId" clId="{6DA8E9ED-C5B8-436C-BFD4-5A48733A2351}" dt="2025-08-11T14:20:18.698" v="237" actId="478"/>
+          <ac:graphicFrameMkLst>
+            <pc:docMk/>
+            <pc:sldMk cId="3301299580" sldId="266"/>
+            <ac:graphicFrameMk id="2" creationId="{1CE8E12C-DA54-3AC2-4DB7-ED814975700C}"/>
+          </ac:graphicFrameMkLst>
+        </pc:graphicFrameChg>
+        <pc:picChg chg="add mod ord">
+          <ac:chgData name="Krishna Kant Dubey" userId="cd28fa1e1902c48d" providerId="LiveId" clId="{6DA8E9ED-C5B8-436C-BFD4-5A48733A2351}" dt="2025-08-11T14:20:51.619" v="240" actId="14100"/>
+          <ac:picMkLst>
+            <pc:docMk/>
+            <pc:sldMk cId="3301299580" sldId="266"/>
+            <ac:picMk id="6" creationId="{CA4E61D6-7B85-E934-5FB1-EC72D19433C7}"/>
+          </ac:picMkLst>
+        </pc:picChg>
+      </pc:sldChg>
+      <pc:sldChg chg="addSp delSp modSp add mod">
+        <pc:chgData name="Krishna Kant Dubey" userId="cd28fa1e1902c48d" providerId="LiveId" clId="{6DA8E9ED-C5B8-436C-BFD4-5A48733A2351}" dt="2025-08-11T14:22:02.297" v="248" actId="207"/>
+        <pc:sldMkLst>
+          <pc:docMk/>
+          <pc:sldMk cId="1019460371" sldId="267"/>
+        </pc:sldMkLst>
+        <pc:spChg chg="add mod">
+          <ac:chgData name="Krishna Kant Dubey" userId="cd28fa1e1902c48d" providerId="LiveId" clId="{6DA8E9ED-C5B8-436C-BFD4-5A48733A2351}" dt="2025-08-11T14:22:02.297" v="248" actId="207"/>
+          <ac:spMkLst>
+            <pc:docMk/>
+            <pc:sldMk cId="1019460371" sldId="267"/>
+            <ac:spMk id="3" creationId="{D6E80E07-BE82-7C1B-D315-241D21B16A47}"/>
+          </ac:spMkLst>
+        </pc:spChg>
+        <pc:picChg chg="del">
+          <ac:chgData name="Krishna Kant Dubey" userId="cd28fa1e1902c48d" providerId="LiveId" clId="{6DA8E9ED-C5B8-436C-BFD4-5A48733A2351}" dt="2025-08-11T14:21:19.296" v="242" actId="478"/>
+          <ac:picMkLst>
+            <pc:docMk/>
+            <pc:sldMk cId="1019460371" sldId="267"/>
+            <ac:picMk id="6" creationId="{57EFE411-D907-847D-0471-4B175E80B5D2}"/>
+          </ac:picMkLst>
+        </pc:picChg>
+      </pc:sldChg>
+      <pc:sldChg chg="del">
+        <pc:chgData name="Krishna Kant Dubey" userId="cd28fa1e1902c48d" providerId="LiveId" clId="{6DA8E9ED-C5B8-436C-BFD4-5A48733A2351}" dt="2025-08-11T14:07:03.788" v="40" actId="2696"/>
+        <pc:sldMkLst>
+          <pc:docMk/>
+          <pc:sldMk cId="1337943040" sldId="267"/>
+        </pc:sldMkLst>
+      </pc:sldChg>
+    </pc:docChg>
+  </pc:docChgLst>
+</pc:chgInfo>
+</file>
+
 <file path=ppt/notesMasters/notesMaster1.xml><?xml version="1.0" encoding="utf-8"?>
 <p:notesMaster xmlns:a="http://schemas.openxmlformats.org/drawingml/2006/main" xmlns:r="http://schemas.openxmlformats.org/officeDocument/2006/relationships" xmlns:p="http://schemas.openxmlformats.org/presentationml/2006/main">
   <p:cSld>
@@ -207,7 +500,7 @@
           <a:p>
             <a:fld id="{771BC1E5-8BD3-45A8-A8D4-BE6B8D3F526F}" type="datetimeFigureOut">
               <a:rPr lang="en-IN" smtClean="0"/>
-              <a:t>28-07-2025</a:t>
+              <a:t>11-08-2025</a:t>
             </a:fld>
             <a:endParaRPr lang="en-IN"/>
           </a:p>
@@ -624,7 +917,7 @@
           <a:p>
             <a:fld id="{8B8265E5-5E35-4F50-869B-ACC7CF337DF9}" type="datetimeFigureOut">
               <a:rPr lang="en-IN" smtClean="0"/>
-              <a:t>28-07-2025</a:t>
+              <a:t>11-08-2025</a:t>
             </a:fld>
             <a:endParaRPr lang="en-IN"/>
           </a:p>
@@ -824,7 +1117,7 @@
           <a:p>
             <a:fld id="{8B8265E5-5E35-4F50-869B-ACC7CF337DF9}" type="datetimeFigureOut">
               <a:rPr lang="en-IN" smtClean="0"/>
-              <a:t>28-07-2025</a:t>
+              <a:t>11-08-2025</a:t>
             </a:fld>
             <a:endParaRPr lang="en-IN"/>
           </a:p>
@@ -1034,7 +1327,7 @@
           <a:p>
             <a:fld id="{8B8265E5-5E35-4F50-869B-ACC7CF337DF9}" type="datetimeFigureOut">
               <a:rPr lang="en-IN" smtClean="0"/>
-              <a:t>28-07-2025</a:t>
+              <a:t>11-08-2025</a:t>
             </a:fld>
             <a:endParaRPr lang="en-IN"/>
           </a:p>
@@ -1234,7 +1527,7 @@
           <a:p>
             <a:fld id="{8B8265E5-5E35-4F50-869B-ACC7CF337DF9}" type="datetimeFigureOut">
               <a:rPr lang="en-IN" smtClean="0"/>
-              <a:t>28-07-2025</a:t>
+              <a:t>11-08-2025</a:t>
             </a:fld>
             <a:endParaRPr lang="en-IN"/>
           </a:p>
@@ -1510,7 +1803,7 @@
           <a:p>
             <a:fld id="{8B8265E5-5E35-4F50-869B-ACC7CF337DF9}" type="datetimeFigureOut">
               <a:rPr lang="en-IN" smtClean="0"/>
-              <a:t>28-07-2025</a:t>
+              <a:t>11-08-2025</a:t>
             </a:fld>
             <a:endParaRPr lang="en-IN"/>
           </a:p>
@@ -1778,7 +2071,7 @@
           <a:p>
             <a:fld id="{8B8265E5-5E35-4F50-869B-ACC7CF337DF9}" type="datetimeFigureOut">
               <a:rPr lang="en-IN" smtClean="0"/>
-              <a:t>28-07-2025</a:t>
+              <a:t>11-08-2025</a:t>
             </a:fld>
             <a:endParaRPr lang="en-IN"/>
           </a:p>
@@ -2193,7 +2486,7 @@
           <a:p>
             <a:fld id="{8B8265E5-5E35-4F50-869B-ACC7CF337DF9}" type="datetimeFigureOut">
               <a:rPr lang="en-IN" smtClean="0"/>
-              <a:t>28-07-2025</a:t>
+              <a:t>11-08-2025</a:t>
             </a:fld>
             <a:endParaRPr lang="en-IN"/>
           </a:p>
@@ -2335,7 +2628,7 @@
           <a:p>
             <a:fld id="{8B8265E5-5E35-4F50-869B-ACC7CF337DF9}" type="datetimeFigureOut">
               <a:rPr lang="en-IN" smtClean="0"/>
-              <a:t>28-07-2025</a:t>
+              <a:t>11-08-2025</a:t>
             </a:fld>
             <a:endParaRPr lang="en-IN"/>
           </a:p>
@@ -2448,7 +2741,7 @@
           <a:p>
             <a:fld id="{8B8265E5-5E35-4F50-869B-ACC7CF337DF9}" type="datetimeFigureOut">
               <a:rPr lang="en-IN" smtClean="0"/>
-              <a:t>28-07-2025</a:t>
+              <a:t>11-08-2025</a:t>
             </a:fld>
             <a:endParaRPr lang="en-IN"/>
           </a:p>
@@ -2761,7 +3054,7 @@
           <a:p>
             <a:fld id="{8B8265E5-5E35-4F50-869B-ACC7CF337DF9}" type="datetimeFigureOut">
               <a:rPr lang="en-IN" smtClean="0"/>
-              <a:t>28-07-2025</a:t>
+              <a:t>11-08-2025</a:t>
             </a:fld>
             <a:endParaRPr lang="en-IN"/>
           </a:p>
@@ -3050,7 +3343,7 @@
           <a:p>
             <a:fld id="{8B8265E5-5E35-4F50-869B-ACC7CF337DF9}" type="datetimeFigureOut">
               <a:rPr lang="en-IN" smtClean="0"/>
-              <a:t>28-07-2025</a:t>
+              <a:t>11-08-2025</a:t>
             </a:fld>
             <a:endParaRPr lang="en-IN"/>
           </a:p>
@@ -3293,7 +3586,7 @@
           <a:p>
             <a:fld id="{8B8265E5-5E35-4F50-869B-ACC7CF337DF9}" type="datetimeFigureOut">
               <a:rPr lang="en-IN" smtClean="0"/>
-              <a:t>28-07-2025</a:t>
+              <a:t>11-08-2025</a:t>
             </a:fld>
             <a:endParaRPr lang="en-IN"/>
           </a:p>
@@ -3842,6 +4135,41 @@
           </a:p>
         </p:txBody>
       </p:sp>
+      <p:pic>
+        <p:nvPicPr>
+          <p:cNvPr id="3" name="Content Placeholder 4">
+            <a:extLst>
+              <a:ext uri="{FF2B5EF4-FFF2-40B4-BE49-F238E27FC236}">
+                <a16:creationId xmlns:a16="http://schemas.microsoft.com/office/drawing/2014/main" id="{49D86A38-3EE8-3EE8-6AF2-C0DB66DB3443}"/>
+              </a:ext>
+            </a:extLst>
+          </p:cNvPr>
+          <p:cNvPicPr>
+            <a:picLocks noGrp="1" noChangeAspect="1"/>
+          </p:cNvPicPr>
+          <p:nvPr/>
+        </p:nvPicPr>
+        <p:blipFill>
+          <a:blip r:embed="rId4">
+            <a:extLst>
+              <a:ext uri="{28A0092B-C50C-407E-A947-70E740481C1C}">
+                <a14:useLocalDpi xmlns:a14="http://schemas.microsoft.com/office/drawing/2010/main" val="0"/>
+              </a:ext>
+            </a:extLst>
+          </a:blip>
+          <a:srcRect/>
+          <a:stretch/>
+        </p:blipFill>
+        <p:spPr>
+          <a:xfrm>
+            <a:off x="-3047" y="0"/>
+            <a:ext cx="12198095" cy="6858000"/>
+          </a:xfrm>
+          <a:prstGeom prst="rect">
+            <a:avLst/>
+          </a:prstGeom>
+        </p:spPr>
+      </p:pic>
     </p:spTree>
     <p:extLst>
       <p:ext uri="{BB962C8B-B14F-4D97-AF65-F5344CB8AC3E}">
@@ -3856,187 +4184,6 @@
 </file>
 
 <file path=ppt/slides/slide10.xml><?xml version="1.0" encoding="utf-8"?>
-<p:sld xmlns:a="http://schemas.openxmlformats.org/drawingml/2006/main" xmlns:r="http://schemas.openxmlformats.org/officeDocument/2006/relationships" xmlns:p="http://schemas.openxmlformats.org/presentationml/2006/main">
-  <p:cSld>
-    <p:spTree>
-      <p:nvGrpSpPr>
-        <p:cNvPr id="1" name="">
-          <a:extLst>
-            <a:ext uri="{FF2B5EF4-FFF2-40B4-BE49-F238E27FC236}">
-              <a16:creationId xmlns:a16="http://schemas.microsoft.com/office/drawing/2014/main" id="{BF4FBA5A-6499-8A35-6086-5B35D38E057E}"/>
-            </a:ext>
-          </a:extLst>
-        </p:cNvPr>
-        <p:cNvGrpSpPr/>
-        <p:nvPr/>
-      </p:nvGrpSpPr>
-      <p:grpSpPr>
-        <a:xfrm>
-          <a:off x="0" y="0"/>
-          <a:ext cx="0" cy="0"/>
-          <a:chOff x="0" y="0"/>
-          <a:chExt cx="0" cy="0"/>
-        </a:xfrm>
-      </p:grpSpPr>
-      <p:pic>
-        <p:nvPicPr>
-          <p:cNvPr id="9" name="Picture 8">
-            <a:extLst>
-              <a:ext uri="{FF2B5EF4-FFF2-40B4-BE49-F238E27FC236}">
-                <a16:creationId xmlns:a16="http://schemas.microsoft.com/office/drawing/2014/main" id="{73FF0F37-FC9B-A15F-415E-0129E11385F5}"/>
-              </a:ext>
-            </a:extLst>
-          </p:cNvPr>
-          <p:cNvPicPr>
-            <a:picLocks noChangeAspect="1"/>
-          </p:cNvPicPr>
-          <p:nvPr/>
-        </p:nvPicPr>
-        <p:blipFill>
-          <a:blip r:embed="rId2">
-            <a:extLst>
-              <a:ext uri="{28A0092B-C50C-407E-A947-70E740481C1C}">
-                <a14:useLocalDpi xmlns:a14="http://schemas.microsoft.com/office/drawing/2010/main" val="0"/>
-              </a:ext>
-            </a:extLst>
-          </a:blip>
-          <a:stretch>
-            <a:fillRect/>
-          </a:stretch>
-        </p:blipFill>
-        <p:spPr>
-          <a:xfrm>
-            <a:off x="0" y="0"/>
-            <a:ext cx="12192000" cy="6853293"/>
-          </a:xfrm>
-          <a:prstGeom prst="rect">
-            <a:avLst/>
-          </a:prstGeom>
-        </p:spPr>
-      </p:pic>
-      <p:sp>
-        <p:nvSpPr>
-          <p:cNvPr id="12" name="Title 11">
-            <a:extLst>
-              <a:ext uri="{FF2B5EF4-FFF2-40B4-BE49-F238E27FC236}">
-                <a16:creationId xmlns:a16="http://schemas.microsoft.com/office/drawing/2014/main" id="{3437FF27-219F-D813-D37F-DDB2C5738BC8}"/>
-              </a:ext>
-            </a:extLst>
-          </p:cNvPr>
-          <p:cNvSpPr>
-            <a:spLocks noGrp="1"/>
-          </p:cNvSpPr>
-          <p:nvPr>
-            <p:ph type="title"/>
-          </p:nvPr>
-        </p:nvSpPr>
-        <p:spPr>
-          <a:xfrm>
-            <a:off x="838200" y="1363581"/>
-            <a:ext cx="10515600" cy="3076074"/>
-          </a:xfrm>
-        </p:spPr>
-        <p:txBody>
-          <a:bodyPr>
-            <a:normAutofit fontScale="90000"/>
-          </a:bodyPr>
-          <a:lstStyle/>
-          <a:p>
-            <a:r>
-              <a:rPr lang="en-US" b="1" dirty="0">
-                <a:solidFill>
-                  <a:srgbClr val="C00000"/>
-                </a:solidFill>
-              </a:rPr>
-              <a:t>Deep Learning</a:t>
-            </a:r>
-            <a:br>
-              <a:rPr lang="en-IN" dirty="0">
-                <a:solidFill>
-                  <a:srgbClr val="002060"/>
-                </a:solidFill>
-              </a:rPr>
-            </a:br>
-            <a:br>
-              <a:rPr lang="en-IN" dirty="0">
-                <a:solidFill>
-                  <a:srgbClr val="002060"/>
-                </a:solidFill>
-              </a:rPr>
-            </a:br>
-            <a:br>
-              <a:rPr lang="en-US" dirty="0">
-                <a:solidFill>
-                  <a:srgbClr val="002060"/>
-                </a:solidFill>
-              </a:rPr>
-            </a:br>
-            <a:br>
-              <a:rPr lang="en-US" dirty="0">
-                <a:solidFill>
-                  <a:srgbClr val="002060"/>
-                </a:solidFill>
-              </a:rPr>
-            </a:br>
-            <a:br>
-              <a:rPr lang="en-US" dirty="0">
-                <a:solidFill>
-                  <a:srgbClr val="002060"/>
-                </a:solidFill>
-              </a:rPr>
-            </a:br>
-            <a:endParaRPr lang="en-IN" b="1" dirty="0">
-              <a:solidFill>
-                <a:srgbClr val="FF0000"/>
-              </a:solidFill>
-            </a:endParaRPr>
-          </a:p>
-        </p:txBody>
-      </p:sp>
-      <p:sp>
-        <p:nvSpPr>
-          <p:cNvPr id="4" name="Content Placeholder 3">
-            <a:extLst>
-              <a:ext uri="{FF2B5EF4-FFF2-40B4-BE49-F238E27FC236}">
-                <a16:creationId xmlns:a16="http://schemas.microsoft.com/office/drawing/2014/main" id="{B93C4DBF-5000-13CE-0F3B-163064CCB4C4}"/>
-              </a:ext>
-            </a:extLst>
-          </p:cNvPr>
-          <p:cNvSpPr>
-            <a:spLocks noGrp="1"/>
-          </p:cNvSpPr>
-          <p:nvPr>
-            <p:ph idx="1"/>
-          </p:nvPr>
-        </p:nvSpPr>
-        <p:spPr>
-          <a:xfrm>
-            <a:off x="838200" y="2261937"/>
-            <a:ext cx="10515600" cy="3915026"/>
-          </a:xfrm>
-        </p:spPr>
-        <p:txBody>
-          <a:bodyPr/>
-          <a:lstStyle/>
-          <a:p>
-            <a:endParaRPr lang="en-IN" dirty="0"/>
-          </a:p>
-        </p:txBody>
-      </p:sp>
-    </p:spTree>
-    <p:extLst>
-      <p:ext uri="{BB962C8B-B14F-4D97-AF65-F5344CB8AC3E}">
-        <p14:creationId xmlns:p14="http://schemas.microsoft.com/office/powerpoint/2010/main" val="1195287565"/>
-      </p:ext>
-    </p:extLst>
-  </p:cSld>
-  <p:clrMapOvr>
-    <a:masterClrMapping/>
-  </p:clrMapOvr>
-</p:sld>
-</file>
-
-<file path=ppt/slides/slide11.xml><?xml version="1.0" encoding="utf-8"?>
 <p:sld xmlns:a="http://schemas.openxmlformats.org/drawingml/2006/main" xmlns:r="http://schemas.openxmlformats.org/officeDocument/2006/relationships" xmlns:p="http://schemas.openxmlformats.org/presentationml/2006/main">
   <p:cSld>
     <p:spTree>
@@ -4237,7 +4384,7 @@
                   <a:srgbClr val="FF0000"/>
                 </a:solidFill>
               </a:rPr>
-              <a:t>Careers in AI &amp; Big Data Analytics</a:t>
+              <a:t>Tools for Pre-processing data</a:t>
             </a:r>
             <a:endParaRPr lang="en-IN" sz="6000" b="1" dirty="0">
               <a:solidFill>
@@ -4388,23 +4535,28 @@
           <a:lstStyle/>
           <a:p>
             <a:r>
-              <a:rPr lang="en-US" dirty="0"/>
-              <a:t>Career map for roles in AI &amp; Big Data Analytics</a:t>
-            </a:r>
-          </a:p>
-          <a:p>
-            <a:r>
-              <a:rPr lang="en-US" dirty="0"/>
-              <a:t>Differences Supervised Learning, Unsupervised Learning and Deep Learning</a:t>
-            </a:r>
-            <a:r>
-              <a:rPr lang="en-IN" dirty="0">
+              <a:rPr lang="en-US" b="1" dirty="0">
                 <a:solidFill>
                   <a:srgbClr val="002060"/>
                 </a:solidFill>
               </a:rPr>
-              <a:t>“</a:t>
-            </a:r>
+              <a:t>Explain the Data Normalization techniques and concepts</a:t>
+            </a:r>
+          </a:p>
+          <a:p>
+            <a:r>
+              <a:rPr lang="en-US" b="1" dirty="0">
+                <a:solidFill>
+                  <a:srgbClr val="002060"/>
+                </a:solidFill>
+              </a:rPr>
+              <a:t>Describe the properties of different tools that can be used to validate the pre-processed data</a:t>
+            </a:r>
+            <a:endParaRPr lang="en-IN" b="1" dirty="0">
+              <a:solidFill>
+                <a:srgbClr val="002060"/>
+              </a:solidFill>
+            </a:endParaRPr>
           </a:p>
         </p:txBody>
       </p:sp>
@@ -4429,7 +4581,7 @@
         <p:cNvPr id="1" name="">
           <a:extLst>
             <a:ext uri="{FF2B5EF4-FFF2-40B4-BE49-F238E27FC236}">
-              <a16:creationId xmlns:a16="http://schemas.microsoft.com/office/drawing/2014/main" id="{FB1982F0-5BEB-0DA0-6FD8-FAFF88501EFF}"/>
+              <a16:creationId xmlns:a16="http://schemas.microsoft.com/office/drawing/2014/main" id="{2347860A-D6C1-9A5A-8505-B11FF3382575}"/>
             </a:ext>
           </a:extLst>
         </p:cNvPr>
@@ -4449,7 +4601,7 @@
           <p:cNvPr id="9" name="Picture 8">
             <a:extLst>
               <a:ext uri="{FF2B5EF4-FFF2-40B4-BE49-F238E27FC236}">
-                <a16:creationId xmlns:a16="http://schemas.microsoft.com/office/drawing/2014/main" id="{FA9653A5-7931-8721-C0FF-C3C586F4A8AD}"/>
+                <a16:creationId xmlns:a16="http://schemas.microsoft.com/office/drawing/2014/main" id="{FD832398-6760-CF49-1BE5-45F9E4D1A3A6}"/>
               </a:ext>
             </a:extLst>
           </p:cNvPr>
@@ -4485,7 +4637,7 @@
           <p:cNvPr id="12" name="Title 11">
             <a:extLst>
               <a:ext uri="{FF2B5EF4-FFF2-40B4-BE49-F238E27FC236}">
-                <a16:creationId xmlns:a16="http://schemas.microsoft.com/office/drawing/2014/main" id="{14221AC7-70EF-3E78-7957-84141B5AD992}"/>
+                <a16:creationId xmlns:a16="http://schemas.microsoft.com/office/drawing/2014/main" id="{FA27B673-AE28-E879-27B4-85684C607572}"/>
               </a:ext>
             </a:extLst>
           </p:cNvPr>
@@ -4498,8 +4650,8 @@
         </p:nvSpPr>
         <p:spPr>
           <a:xfrm>
-            <a:off x="838200" y="1090863"/>
-            <a:ext cx="10515600" cy="1171073"/>
+            <a:off x="838200" y="1058779"/>
+            <a:ext cx="10515600" cy="620119"/>
           </a:xfrm>
         </p:spPr>
         <p:txBody>
@@ -4514,98 +4666,159 @@
                   <a:srgbClr val="C00000"/>
                 </a:solidFill>
               </a:rPr>
-              <a:t>Career map for roles in AI &amp; Big Data Analytics</a:t>
-            </a:r>
-            <a:br>
-              <a:rPr lang="en-US" dirty="0">
+              <a:t>Database Normalization</a:t>
+            </a:r>
+          </a:p>
+        </p:txBody>
+      </p:sp>
+      <p:sp>
+        <p:nvSpPr>
+          <p:cNvPr id="13" name="Content Placeholder 12">
+            <a:extLst>
+              <a:ext uri="{FF2B5EF4-FFF2-40B4-BE49-F238E27FC236}">
+                <a16:creationId xmlns:a16="http://schemas.microsoft.com/office/drawing/2014/main" id="{8196D08E-A671-8FBE-4ED6-A925AED02062}"/>
+              </a:ext>
+            </a:extLst>
+          </p:cNvPr>
+          <p:cNvSpPr>
+            <a:spLocks noGrp="1"/>
+          </p:cNvSpPr>
+          <p:nvPr>
+            <p:ph idx="1"/>
+          </p:nvPr>
+        </p:nvSpPr>
+        <p:spPr>
+          <a:xfrm>
+            <a:off x="838200" y="1678899"/>
+            <a:ext cx="10515600" cy="4498064"/>
+          </a:xfrm>
+        </p:spPr>
+        <p:txBody>
+          <a:bodyPr>
+            <a:normAutofit lnSpcReduction="10000"/>
+          </a:bodyPr>
+          <a:lstStyle/>
+          <a:p>
+            <a:pPr marL="0" indent="0">
+              <a:buNone/>
+            </a:pPr>
+            <a:r>
+              <a:rPr lang="en-US" b="1" dirty="0">
+                <a:solidFill>
+                  <a:srgbClr val="FF0000"/>
+                </a:solidFill>
+              </a:rPr>
+              <a:t>Purpose:</a:t>
+            </a:r>
+          </a:p>
+          <a:p>
+            <a:r>
+              <a:rPr lang="en-US" b="1" dirty="0">
                 <a:solidFill>
                   <a:srgbClr val="002060"/>
                 </a:solidFill>
               </a:rPr>
-            </a:br>
-            <a:endParaRPr lang="en-IN" b="1" dirty="0">
-              <a:solidFill>
-                <a:srgbClr val="FF0000"/>
-              </a:solidFill>
-            </a:endParaRPr>
-          </a:p>
-        </p:txBody>
-      </p:sp>
-      <p:sp>
-        <p:nvSpPr>
-          <p:cNvPr id="4" name="Content Placeholder 3">
-            <a:extLst>
-              <a:ext uri="{FF2B5EF4-FFF2-40B4-BE49-F238E27FC236}">
-                <a16:creationId xmlns:a16="http://schemas.microsoft.com/office/drawing/2014/main" id="{578CAB42-7D2A-6EDC-C435-EECC86B0DFC6}"/>
-              </a:ext>
-            </a:extLst>
-          </p:cNvPr>
-          <p:cNvSpPr>
-            <a:spLocks noGrp="1"/>
-          </p:cNvSpPr>
-          <p:nvPr>
-            <p:ph idx="1"/>
-          </p:nvPr>
-        </p:nvSpPr>
-        <p:spPr>
-          <a:xfrm>
-            <a:off x="838200" y="2261937"/>
-            <a:ext cx="10515600" cy="3915026"/>
-          </a:xfrm>
-        </p:spPr>
-        <p:txBody>
-          <a:bodyPr/>
-          <a:lstStyle/>
-          <a:p>
-            <a:pPr marL="0" indent="0">
-              <a:buNone/>
-            </a:pPr>
-            <a:r>
-              <a:rPr lang="en-IN" b="1" dirty="0">
+              <a:t>Eliminate data redundancy</a:t>
+            </a:r>
+          </a:p>
+          <a:p>
+            <a:r>
+              <a:rPr lang="en-US" b="1" dirty="0">
                 <a:solidFill>
                   <a:srgbClr val="002060"/>
                 </a:solidFill>
               </a:rPr>
-              <a:t>Data Analyst</a:t>
-            </a:r>
-          </a:p>
-          <a:p>
-            <a:r>
-              <a:rPr lang="en-IN" b="1" dirty="0"/>
-              <a:t>Responsibilities:</a:t>
-            </a:r>
-            <a:r>
-              <a:rPr lang="en-IN" dirty="0"/>
-              <a:t> Collects, processes, and </a:t>
-            </a:r>
-            <a:r>
-              <a:rPr lang="en-IN" dirty="0" err="1"/>
-              <a:t>analyzes</a:t>
-            </a:r>
-            <a:r>
-              <a:rPr lang="en-IN" dirty="0"/>
-              <a:t> large datasets to reveal trends, patterns, and actionable insights. Prepares reports for stakeholders and builds dashboards to visualize findings.</a:t>
-            </a:r>
-          </a:p>
-          <a:p>
-            <a:r>
-              <a:rPr lang="en-IN" b="1" dirty="0"/>
-              <a:t>Typical Tools:</a:t>
-            </a:r>
-            <a:r>
-              <a:rPr lang="en-IN" dirty="0"/>
-              <a:t> Excel, SQL, Tableau, Power BI, Python.</a:t>
-            </a:r>
-          </a:p>
-          <a:p>
-            <a:endParaRPr lang="en-IN" dirty="0"/>
+              <a:t>Ensure data integrity</a:t>
+            </a:r>
+          </a:p>
+          <a:p>
+            <a:r>
+              <a:rPr lang="en-US" b="1" dirty="0">
+                <a:solidFill>
+                  <a:srgbClr val="002060"/>
+                </a:solidFill>
+              </a:rPr>
+              <a:t>Prevent anomalies during insert, update, and delete operations </a:t>
+            </a:r>
+          </a:p>
+          <a:p>
+            <a:pPr marL="0" indent="0">
+              <a:buNone/>
+            </a:pPr>
+            <a:r>
+              <a:rPr lang="en-US" b="1" dirty="0">
+                <a:solidFill>
+                  <a:srgbClr val="FF0000"/>
+                </a:solidFill>
+              </a:rPr>
+              <a:t>Key Concepts:</a:t>
+            </a:r>
+          </a:p>
+          <a:p>
+            <a:r>
+              <a:rPr lang="en-US" b="1" dirty="0">
+                <a:solidFill>
+                  <a:srgbClr val="00B050"/>
+                </a:solidFill>
+              </a:rPr>
+              <a:t>Normal Forms: </a:t>
+            </a:r>
+            <a:r>
+              <a:rPr lang="en-US" b="1" dirty="0">
+                <a:solidFill>
+                  <a:srgbClr val="002060"/>
+                </a:solidFill>
+              </a:rPr>
+              <a:t>Structured stages of normalization (1NF, 2NF, 3NF, BCNF, etc.)</a:t>
+            </a:r>
+          </a:p>
+          <a:p>
+            <a:r>
+              <a:rPr lang="en-US" b="1" dirty="0">
+                <a:solidFill>
+                  <a:srgbClr val="00B050"/>
+                </a:solidFill>
+              </a:rPr>
+              <a:t>Functional Dependency: </a:t>
+            </a:r>
+            <a:r>
+              <a:rPr lang="en-US" b="1" dirty="0">
+                <a:solidFill>
+                  <a:srgbClr val="002060"/>
+                </a:solidFill>
+              </a:rPr>
+              <a:t>Ensures that one attribute uniquely determines another</a:t>
+            </a:r>
+          </a:p>
+          <a:p>
+            <a:r>
+              <a:rPr lang="en-US" b="1" dirty="0">
+                <a:solidFill>
+                  <a:srgbClr val="00B050"/>
+                </a:solidFill>
+              </a:rPr>
+              <a:t>Referential Integrity: </a:t>
+            </a:r>
+            <a:r>
+              <a:rPr lang="en-US" b="1" dirty="0">
+                <a:solidFill>
+                  <a:srgbClr val="002060"/>
+                </a:solidFill>
+              </a:rPr>
+              <a:t>Maintains consistency across related tables</a:t>
+            </a:r>
+            <a:endParaRPr lang="en-IN" b="1" dirty="0">
+              <a:solidFill>
+                <a:srgbClr val="002060"/>
+              </a:solidFill>
+            </a:endParaRPr>
           </a:p>
         </p:txBody>
       </p:sp>
     </p:spTree>
     <p:extLst>
       <p:ext uri="{BB962C8B-B14F-4D97-AF65-F5344CB8AC3E}">
-        <p14:creationId xmlns:p14="http://schemas.microsoft.com/office/powerpoint/2010/main" val="131540703"/>
+        <p14:creationId xmlns:p14="http://schemas.microsoft.com/office/powerpoint/2010/main" val="1719800826"/>
       </p:ext>
     </p:extLst>
   </p:cSld>
@@ -4623,7 +4836,7 @@
         <p:cNvPr id="1" name="">
           <a:extLst>
             <a:ext uri="{FF2B5EF4-FFF2-40B4-BE49-F238E27FC236}">
-              <a16:creationId xmlns:a16="http://schemas.microsoft.com/office/drawing/2014/main" id="{2FBF0153-C9A9-D46C-01B2-41753D68E45E}"/>
+              <a16:creationId xmlns:a16="http://schemas.microsoft.com/office/drawing/2014/main" id="{AB7AB3CF-9AD0-DC9E-E712-B84E383FE81F}"/>
             </a:ext>
           </a:extLst>
         </p:cNvPr>
@@ -4643,7 +4856,7 @@
           <p:cNvPr id="9" name="Picture 8">
             <a:extLst>
               <a:ext uri="{FF2B5EF4-FFF2-40B4-BE49-F238E27FC236}">
-                <a16:creationId xmlns:a16="http://schemas.microsoft.com/office/drawing/2014/main" id="{C1938744-0A14-7C58-D756-DA7BFA361E6C}"/>
+                <a16:creationId xmlns:a16="http://schemas.microsoft.com/office/drawing/2014/main" id="{5F71F555-16E4-C2E8-FA56-C6518F59EE88}"/>
               </a:ext>
             </a:extLst>
           </p:cNvPr>
@@ -4679,7 +4892,7 @@
           <p:cNvPr id="12" name="Title 11">
             <a:extLst>
               <a:ext uri="{FF2B5EF4-FFF2-40B4-BE49-F238E27FC236}">
-                <a16:creationId xmlns:a16="http://schemas.microsoft.com/office/drawing/2014/main" id="{55EBC230-AA0A-E2EC-4902-663BBB100639}"/>
+                <a16:creationId xmlns:a16="http://schemas.microsoft.com/office/drawing/2014/main" id="{B426621A-20EF-C7E5-8A41-7557921F476A}"/>
               </a:ext>
             </a:extLst>
           </p:cNvPr>
@@ -4692,8 +4905,8 @@
         </p:nvSpPr>
         <p:spPr>
           <a:xfrm>
-            <a:off x="838200" y="1090863"/>
-            <a:ext cx="10515600" cy="1171073"/>
+            <a:off x="838200" y="1058779"/>
+            <a:ext cx="10515600" cy="365287"/>
           </a:xfrm>
         </p:spPr>
         <p:txBody>
@@ -4703,103 +4916,215 @@
           <a:lstStyle/>
           <a:p>
             <a:r>
-              <a:rPr lang="en-US" b="1">
+              <a:rPr lang="en-US" b="1" dirty="0">
                 <a:solidFill>
                   <a:srgbClr val="C00000"/>
                 </a:solidFill>
               </a:rPr>
-              <a:t>Career  roles </a:t>
-            </a:r>
-            <a:br>
+              <a:t>Database Normalization</a:t>
+            </a:r>
+          </a:p>
+        </p:txBody>
+      </p:sp>
+      <p:sp>
+        <p:nvSpPr>
+          <p:cNvPr id="13" name="Content Placeholder 12">
+            <a:extLst>
+              <a:ext uri="{FF2B5EF4-FFF2-40B4-BE49-F238E27FC236}">
+                <a16:creationId xmlns:a16="http://schemas.microsoft.com/office/drawing/2014/main" id="{43880A63-D9C7-273C-0F28-5FD8DE6BD04C}"/>
+              </a:ext>
+            </a:extLst>
+          </p:cNvPr>
+          <p:cNvSpPr>
+            <a:spLocks noGrp="1"/>
+          </p:cNvSpPr>
+          <p:nvPr>
+            <p:ph idx="1"/>
+          </p:nvPr>
+        </p:nvSpPr>
+        <p:spPr>
+          <a:xfrm>
+            <a:off x="838200" y="1558977"/>
+            <a:ext cx="10515600" cy="4452079"/>
+          </a:xfrm>
+        </p:spPr>
+        <p:txBody>
+          <a:bodyPr>
+            <a:normAutofit fontScale="92500" lnSpcReduction="10000"/>
+          </a:bodyPr>
+          <a:lstStyle/>
+          <a:p>
+            <a:pPr marL="0" indent="0">
+              <a:buNone/>
+            </a:pPr>
+            <a:r>
+              <a:rPr lang="en-IN" b="1" dirty="0">
+                <a:solidFill>
+                  <a:srgbClr val="FF0000"/>
+                </a:solidFill>
+              </a:rPr>
+              <a:t>Before normalization:</a:t>
+            </a:r>
+          </a:p>
+          <a:p>
+            <a:pPr marL="0" indent="0">
+              <a:buNone/>
+            </a:pPr>
+            <a:endParaRPr lang="en-IN" b="1" dirty="0">
+              <a:solidFill>
+                <a:srgbClr val="002060"/>
+              </a:solidFill>
+            </a:endParaRPr>
+          </a:p>
+          <a:p>
+            <a:pPr marL="0" indent="0">
+              <a:buNone/>
+            </a:pPr>
+            <a:endParaRPr lang="en-IN" b="1" dirty="0">
+              <a:solidFill>
+                <a:srgbClr val="FF0000"/>
+              </a:solidFill>
+            </a:endParaRPr>
+          </a:p>
+          <a:p>
+            <a:pPr marL="0" indent="0">
+              <a:buNone/>
+            </a:pPr>
+            <a:r>
+              <a:rPr lang="en-IN" b="1" dirty="0">
+                <a:solidFill>
+                  <a:srgbClr val="FF0000"/>
+                </a:solidFill>
+              </a:rPr>
+              <a:t>After normalization:</a:t>
+            </a:r>
+          </a:p>
+          <a:p>
+            <a:pPr marL="0" indent="0">
+              <a:buNone/>
+            </a:pPr>
+            <a:r>
+              <a:rPr lang="en-IN" dirty="0">
+                <a:solidFill>
+                  <a:srgbClr val="002060"/>
+                </a:solidFill>
+              </a:rPr>
+              <a:t>Separate into </a:t>
+            </a:r>
+            <a:r>
+              <a:rPr lang="en-IN" b="1" dirty="0">
+                <a:solidFill>
+                  <a:srgbClr val="002060"/>
+                </a:solidFill>
+              </a:rPr>
+              <a:t>Customer ,Order , and Product </a:t>
+            </a:r>
+            <a:r>
+              <a:rPr lang="en-IN" dirty="0">
+                <a:solidFill>
+                  <a:srgbClr val="002060"/>
+                </a:solidFill>
+              </a:rPr>
+              <a:t>tables</a:t>
+            </a:r>
+          </a:p>
+          <a:p>
+            <a:pPr marL="0" indent="0">
+              <a:buNone/>
+            </a:pPr>
+            <a:r>
               <a:rPr lang="en-US" dirty="0">
                 <a:solidFill>
                   <a:srgbClr val="002060"/>
                 </a:solidFill>
               </a:rPr>
-            </a:br>
-            <a:endParaRPr lang="en-IN" b="1" dirty="0">
-              <a:solidFill>
-                <a:srgbClr val="FF0000"/>
-              </a:solidFill>
-            </a:endParaRPr>
-          </a:p>
-        </p:txBody>
-      </p:sp>
-      <p:sp>
-        <p:nvSpPr>
-          <p:cNvPr id="4" name="Content Placeholder 3">
-            <a:extLst>
-              <a:ext uri="{FF2B5EF4-FFF2-40B4-BE49-F238E27FC236}">
-                <a16:creationId xmlns:a16="http://schemas.microsoft.com/office/drawing/2014/main" id="{39735FD5-EFD8-E566-AC4B-84B3BA5FD6A2}"/>
-              </a:ext>
-            </a:extLst>
-          </p:cNvPr>
-          <p:cNvSpPr>
-            <a:spLocks noGrp="1"/>
-          </p:cNvSpPr>
-          <p:nvPr>
-            <p:ph idx="1"/>
-          </p:nvPr>
-        </p:nvSpPr>
-        <p:spPr>
-          <a:xfrm>
-            <a:off x="838200" y="2261937"/>
-            <a:ext cx="10515600" cy="3915026"/>
-          </a:xfrm>
-        </p:spPr>
-        <p:txBody>
-          <a:bodyPr/>
-          <a:lstStyle/>
+              <a:t>Use foreign keys to link them</a:t>
+            </a:r>
+          </a:p>
           <a:p>
             <a:pPr marL="0" indent="0">
               <a:buNone/>
             </a:pPr>
             <a:r>
-              <a:rPr lang="en-IN" b="1" dirty="0">
+              <a:rPr lang="en-US" b="1" dirty="0">
+                <a:solidFill>
+                  <a:srgbClr val="FF0000"/>
+                </a:solidFill>
+              </a:rPr>
+              <a:t>Benefits:</a:t>
+            </a:r>
+          </a:p>
+          <a:p>
+            <a:r>
+              <a:rPr lang="en-US" dirty="0">
                 <a:solidFill>
                   <a:srgbClr val="002060"/>
                 </a:solidFill>
               </a:rPr>
-              <a:t>Data Analyst</a:t>
-            </a:r>
-          </a:p>
-          <a:p>
-            <a:r>
-              <a:rPr lang="en-IN" b="1" dirty="0"/>
-              <a:t>Responsibilities:</a:t>
-            </a:r>
-            <a:r>
-              <a:rPr lang="en-IN" dirty="0"/>
-              <a:t> Collects, processes, and </a:t>
-            </a:r>
-            <a:r>
-              <a:rPr lang="en-IN" dirty="0" err="1"/>
-              <a:t>analyzes</a:t>
-            </a:r>
-            <a:r>
-              <a:rPr lang="en-IN" dirty="0"/>
-              <a:t> large datasets to reveal trends, patterns, and actionable insights. Prepares reports for stakeholders and builds dashboards to visualize findings.</a:t>
-            </a:r>
-          </a:p>
-          <a:p>
-            <a:r>
-              <a:rPr lang="en-IN" b="1" dirty="0"/>
-              <a:t>Typical Tools:</a:t>
-            </a:r>
-            <a:r>
-              <a:rPr lang="en-IN" dirty="0"/>
-              <a:t> Excel, SQL, Tableau, Power BI, Python.</a:t>
-            </a:r>
-          </a:p>
-          <a:p>
-            <a:endParaRPr lang="en-IN" dirty="0"/>
-          </a:p>
-        </p:txBody>
-      </p:sp>
+              <a:t>Reduces storage requirements</a:t>
+            </a:r>
+          </a:p>
+          <a:p>
+            <a:r>
+              <a:rPr lang="en-US" dirty="0">
+                <a:solidFill>
+                  <a:srgbClr val="002060"/>
+                </a:solidFill>
+              </a:rPr>
+              <a:t>Avoids update and deletion anomalies</a:t>
+            </a:r>
+          </a:p>
+          <a:p>
+            <a:r>
+              <a:rPr lang="en-US" dirty="0">
+                <a:solidFill>
+                  <a:srgbClr val="002060"/>
+                </a:solidFill>
+              </a:rPr>
+              <a:t>Improves query reliability</a:t>
+            </a:r>
+            <a:endParaRPr lang="en-IN" dirty="0">
+              <a:solidFill>
+                <a:srgbClr val="002060"/>
+              </a:solidFill>
+            </a:endParaRPr>
+          </a:p>
+        </p:txBody>
+      </p:sp>
+      <p:pic>
+        <p:nvPicPr>
+          <p:cNvPr id="3" name="Picture 2">
+            <a:extLst>
+              <a:ext uri="{FF2B5EF4-FFF2-40B4-BE49-F238E27FC236}">
+                <a16:creationId xmlns:a16="http://schemas.microsoft.com/office/drawing/2014/main" id="{706D0B79-FDAC-0FE3-249F-570D2A0004BD}"/>
+              </a:ext>
+            </a:extLst>
+          </p:cNvPr>
+          <p:cNvPicPr>
+            <a:picLocks noChangeAspect="1"/>
+          </p:cNvPicPr>
+          <p:nvPr/>
+        </p:nvPicPr>
+        <p:blipFill>
+          <a:blip r:embed="rId3"/>
+          <a:stretch>
+            <a:fillRect/>
+          </a:stretch>
+        </p:blipFill>
+        <p:spPr>
+          <a:xfrm>
+            <a:off x="951782" y="2104232"/>
+            <a:ext cx="5144218" cy="628738"/>
+          </a:xfrm>
+          <a:prstGeom prst="rect">
+            <a:avLst/>
+          </a:prstGeom>
+        </p:spPr>
+      </p:pic>
     </p:spTree>
     <p:extLst>
       <p:ext uri="{BB962C8B-B14F-4D97-AF65-F5344CB8AC3E}">
-        <p14:creationId xmlns:p14="http://schemas.microsoft.com/office/powerpoint/2010/main" val="1337943040"/>
+        <p14:creationId xmlns:p14="http://schemas.microsoft.com/office/powerpoint/2010/main" val="1019743412"/>
       </p:ext>
     </p:extLst>
   </p:cSld>
@@ -4817,7 +5142,7 @@
         <p:cNvPr id="1" name="">
           <a:extLst>
             <a:ext uri="{FF2B5EF4-FFF2-40B4-BE49-F238E27FC236}">
-              <a16:creationId xmlns:a16="http://schemas.microsoft.com/office/drawing/2014/main" id="{298C305C-24EE-E6F8-ADA7-B19A4F87414A}"/>
+              <a16:creationId xmlns:a16="http://schemas.microsoft.com/office/drawing/2014/main" id="{46369DDA-DB6D-5C96-AFE5-739A6441D528}"/>
             </a:ext>
           </a:extLst>
         </p:cNvPr>
@@ -4837,7 +5162,7 @@
           <p:cNvPr id="9" name="Picture 8">
             <a:extLst>
               <a:ext uri="{FF2B5EF4-FFF2-40B4-BE49-F238E27FC236}">
-                <a16:creationId xmlns:a16="http://schemas.microsoft.com/office/drawing/2014/main" id="{E9527F4D-69E3-6DB3-E2B6-BF17C7CE5C1D}"/>
+                <a16:creationId xmlns:a16="http://schemas.microsoft.com/office/drawing/2014/main" id="{865AC1E3-EAAC-11CA-6345-F8FA70196FBD}"/>
               </a:ext>
             </a:extLst>
           </p:cNvPr>
@@ -4873,7 +5198,7 @@
           <p:cNvPr id="12" name="Title 11">
             <a:extLst>
               <a:ext uri="{FF2B5EF4-FFF2-40B4-BE49-F238E27FC236}">
-                <a16:creationId xmlns:a16="http://schemas.microsoft.com/office/drawing/2014/main" id="{ADD7F852-FFC2-6626-3163-8EA32EBA7812}"/>
+                <a16:creationId xmlns:a16="http://schemas.microsoft.com/office/drawing/2014/main" id="{D5857262-0EDA-40BA-F93D-7D014C27D2F1}"/>
               </a:ext>
             </a:extLst>
           </p:cNvPr>
@@ -4886,8 +5211,8 @@
         </p:nvSpPr>
         <p:spPr>
           <a:xfrm>
-            <a:off x="838200" y="1090863"/>
-            <a:ext cx="10515600" cy="1171073"/>
+            <a:off x="838200" y="1058779"/>
+            <a:ext cx="10659256" cy="665090"/>
           </a:xfrm>
         </p:spPr>
         <p:txBody>
@@ -4902,90 +5227,92 @@
                   <a:srgbClr val="C00000"/>
                 </a:solidFill>
               </a:rPr>
-              <a:t>Career map for roles in AI &amp; Big Data Analytics</a:t>
-            </a:r>
-            <a:br>
+              <a:t>Data Normalization in Analytics &amp; Machine Learning</a:t>
+            </a:r>
+          </a:p>
+        </p:txBody>
+      </p:sp>
+      <p:sp>
+        <p:nvSpPr>
+          <p:cNvPr id="13" name="Content Placeholder 12">
+            <a:extLst>
+              <a:ext uri="{FF2B5EF4-FFF2-40B4-BE49-F238E27FC236}">
+                <a16:creationId xmlns:a16="http://schemas.microsoft.com/office/drawing/2014/main" id="{EB1C3366-0F15-F856-9831-ABEDABD78F1B}"/>
+              </a:ext>
+            </a:extLst>
+          </p:cNvPr>
+          <p:cNvSpPr>
+            <a:spLocks noGrp="1"/>
+          </p:cNvSpPr>
+          <p:nvPr>
+            <p:ph idx="1"/>
+          </p:nvPr>
+        </p:nvSpPr>
+        <p:spPr>
+          <a:xfrm>
+            <a:off x="838200" y="1843790"/>
+            <a:ext cx="10515600" cy="4167266"/>
+          </a:xfrm>
+        </p:spPr>
+        <p:txBody>
+          <a:bodyPr>
+            <a:normAutofit/>
+          </a:bodyPr>
+          <a:lstStyle/>
+          <a:p>
+            <a:pPr marL="0" indent="0">
+              <a:buNone/>
+            </a:pPr>
+            <a:r>
+              <a:rPr lang="en-US" b="1" dirty="0">
+                <a:solidFill>
+                  <a:srgbClr val="FF0000"/>
+                </a:solidFill>
+              </a:rPr>
+              <a:t>Purpose:</a:t>
+            </a:r>
+          </a:p>
+          <a:p>
+            <a:r>
               <a:rPr lang="en-US" dirty="0">
                 <a:solidFill>
                   <a:srgbClr val="002060"/>
                 </a:solidFill>
               </a:rPr>
-            </a:br>
-            <a:endParaRPr lang="en-IN" b="1" dirty="0">
-              <a:solidFill>
-                <a:srgbClr val="FF0000"/>
-              </a:solidFill>
-            </a:endParaRPr>
-          </a:p>
-        </p:txBody>
-      </p:sp>
-      <p:sp>
-        <p:nvSpPr>
-          <p:cNvPr id="4" name="Content Placeholder 3">
-            <a:extLst>
-              <a:ext uri="{FF2B5EF4-FFF2-40B4-BE49-F238E27FC236}">
-                <a16:creationId xmlns:a16="http://schemas.microsoft.com/office/drawing/2014/main" id="{7524FDDB-07B4-54F0-DC21-901EF29BFD55}"/>
-              </a:ext>
-            </a:extLst>
-          </p:cNvPr>
-          <p:cNvSpPr>
-            <a:spLocks noGrp="1"/>
-          </p:cNvSpPr>
-          <p:nvPr>
-            <p:ph idx="1"/>
-          </p:nvPr>
-        </p:nvSpPr>
-        <p:spPr>
-          <a:xfrm>
-            <a:off x="838200" y="2261937"/>
-            <a:ext cx="10515600" cy="3915026"/>
-          </a:xfrm>
-        </p:spPr>
-        <p:txBody>
-          <a:bodyPr/>
-          <a:lstStyle/>
-          <a:p>
-            <a:pPr marL="0" indent="0">
-              <a:buNone/>
-            </a:pPr>
-            <a:r>
-              <a:rPr lang="en-US" b="1" dirty="0">
+              <a:t>Standardize feature scales</a:t>
+            </a:r>
+          </a:p>
+          <a:p>
+            <a:r>
+              <a:rPr lang="en-US" dirty="0">
                 <a:solidFill>
                   <a:srgbClr val="002060"/>
                 </a:solidFill>
               </a:rPr>
-              <a:t>Data Scientist (Advanced/Progression Role)</a:t>
-            </a:r>
-          </a:p>
-          <a:p>
-            <a:r>
-              <a:rPr lang="en-US" b="1" dirty="0"/>
-              <a:t>Responsibilities:</a:t>
-            </a:r>
-            <a:r>
-              <a:rPr lang="en-US" dirty="0"/>
-              <a:t> Leverages advanced analytics, machine learning, and predictive models to solve complex business problems. Designs experiments, automates workflows, and develops custom data products.</a:t>
-            </a:r>
-          </a:p>
-          <a:p>
-            <a:r>
-              <a:rPr lang="en-US" b="1" dirty="0"/>
-              <a:t>Career Path:</a:t>
-            </a:r>
-            <a:r>
-              <a:rPr lang="en-US" dirty="0"/>
-              <a:t> Many experienced analysts grow into this role with upskilling.</a:t>
-            </a:r>
-          </a:p>
-          <a:p>
-            <a:endParaRPr lang="en-IN" dirty="0"/>
+              <a:t>Improve model convergence and accuracy</a:t>
+            </a:r>
+          </a:p>
+          <a:p>
+            <a:r>
+              <a:rPr lang="en-US" dirty="0">
+                <a:solidFill>
+                  <a:srgbClr val="002060"/>
+                </a:solidFill>
+              </a:rPr>
+              <a:t>Prevent bias from dominant features</a:t>
+            </a:r>
+            <a:endParaRPr lang="en-IN" dirty="0">
+              <a:solidFill>
+                <a:srgbClr val="002060"/>
+              </a:solidFill>
+            </a:endParaRPr>
           </a:p>
         </p:txBody>
       </p:sp>
     </p:spTree>
     <p:extLst>
       <p:ext uri="{BB962C8B-B14F-4D97-AF65-F5344CB8AC3E}">
-        <p14:creationId xmlns:p14="http://schemas.microsoft.com/office/powerpoint/2010/main" val="1370868504"/>
+        <p14:creationId xmlns:p14="http://schemas.microsoft.com/office/powerpoint/2010/main" val="3753507712"/>
       </p:ext>
     </p:extLst>
   </p:cSld>
@@ -5003,7 +5330,7 @@
         <p:cNvPr id="1" name="">
           <a:extLst>
             <a:ext uri="{FF2B5EF4-FFF2-40B4-BE49-F238E27FC236}">
-              <a16:creationId xmlns:a16="http://schemas.microsoft.com/office/drawing/2014/main" id="{66E0E4B1-5F02-69C4-D339-CC109D9ABC88}"/>
+              <a16:creationId xmlns:a16="http://schemas.microsoft.com/office/drawing/2014/main" id="{434F2EEE-0E78-3259-3ADB-2E3D7FA03C58}"/>
             </a:ext>
           </a:extLst>
         </p:cNvPr>
@@ -5023,7 +5350,7 @@
           <p:cNvPr id="9" name="Picture 8">
             <a:extLst>
               <a:ext uri="{FF2B5EF4-FFF2-40B4-BE49-F238E27FC236}">
-                <a16:creationId xmlns:a16="http://schemas.microsoft.com/office/drawing/2014/main" id="{C0CEA051-E689-6F5E-E0CF-0341E67C596A}"/>
+                <a16:creationId xmlns:a16="http://schemas.microsoft.com/office/drawing/2014/main" id="{290736BA-F1F8-BCBE-18D5-F1E543547038}"/>
               </a:ext>
             </a:extLst>
           </p:cNvPr>
@@ -5059,7 +5386,7 @@
           <p:cNvPr id="12" name="Title 11">
             <a:extLst>
               <a:ext uri="{FF2B5EF4-FFF2-40B4-BE49-F238E27FC236}">
-                <a16:creationId xmlns:a16="http://schemas.microsoft.com/office/drawing/2014/main" id="{5AF4F4BF-6716-49E6-9582-E583D0D30CE3}"/>
+                <a16:creationId xmlns:a16="http://schemas.microsoft.com/office/drawing/2014/main" id="{DF24E72E-4823-2688-1291-25A01B55FAE0}"/>
               </a:ext>
             </a:extLst>
           </p:cNvPr>
@@ -5072,8 +5399,8 @@
         </p:nvSpPr>
         <p:spPr>
           <a:xfrm>
-            <a:off x="838200" y="1748325"/>
-            <a:ext cx="10515600" cy="1828800"/>
+            <a:off x="838200" y="1058779"/>
+            <a:ext cx="10659256" cy="665090"/>
           </a:xfrm>
         </p:spPr>
         <p:txBody>
@@ -5082,110 +5409,360 @@
           </a:bodyPr>
           <a:lstStyle/>
           <a:p>
-            <a:r>
-              <a:rPr lang="en-US" b="1" dirty="0" err="1">
-                <a:solidFill>
-                  <a:srgbClr val="C00000"/>
-                </a:solidFill>
-              </a:rPr>
-              <a:t>Analyse</a:t>
-            </a:r>
             <a:r>
               <a:rPr lang="en-US" b="1" dirty="0">
                 <a:solidFill>
                   <a:srgbClr val="C00000"/>
                 </a:solidFill>
               </a:rPr>
-              <a:t> the differences between key terms such as Supervised Learning, Unsupervised Learning and Deep Learning</a:t>
-            </a:r>
-            <a:br>
-              <a:rPr lang="en-US" dirty="0">
-                <a:solidFill>
-                  <a:srgbClr val="002060"/>
-                </a:solidFill>
-              </a:rPr>
-            </a:br>
-            <a:br>
-              <a:rPr lang="en-US" dirty="0">
-                <a:solidFill>
-                  <a:srgbClr val="002060"/>
-                </a:solidFill>
-              </a:rPr>
-            </a:br>
-            <a:endParaRPr lang="en-IN" b="1" dirty="0">
-              <a:solidFill>
-                <a:srgbClr val="FF0000"/>
-              </a:solidFill>
-            </a:endParaRPr>
-          </a:p>
-        </p:txBody>
-      </p:sp>
-      <p:sp>
-        <p:nvSpPr>
-          <p:cNvPr id="4" name="Content Placeholder 3">
-            <a:extLst>
-              <a:ext uri="{FF2B5EF4-FFF2-40B4-BE49-F238E27FC236}">
-                <a16:creationId xmlns:a16="http://schemas.microsoft.com/office/drawing/2014/main" id="{2DC93587-953D-FBE6-A4B6-5060E75B821F}"/>
-              </a:ext>
-            </a:extLst>
-          </p:cNvPr>
-          <p:cNvSpPr>
-            <a:spLocks noGrp="1"/>
-          </p:cNvSpPr>
+              <a:t>Data Normalization in Analytics &amp; Machine Learning</a:t>
+            </a:r>
+          </a:p>
+        </p:txBody>
+      </p:sp>
+      <p:graphicFrame>
+        <p:nvGraphicFramePr>
+          <p:cNvPr id="2" name="Content Placeholder 1">
+            <a:extLst>
+              <a:ext uri="{FF2B5EF4-FFF2-40B4-BE49-F238E27FC236}">
+                <a16:creationId xmlns:a16="http://schemas.microsoft.com/office/drawing/2014/main" id="{AEB3FDD8-C32C-EBD0-F5F7-92FF10F1B0C3}"/>
+              </a:ext>
+            </a:extLst>
+          </p:cNvPr>
+          <p:cNvGraphicFramePr>
+            <a:graphicFrameLocks noGrp="1"/>
+          </p:cNvGraphicFramePr>
           <p:nvPr>
             <p:ph idx="1"/>
-          </p:nvPr>
-        </p:nvSpPr>
-        <p:spPr>
-          <a:xfrm>
-            <a:off x="838200" y="3252865"/>
-            <a:ext cx="10515600" cy="2924097"/>
-          </a:xfrm>
-        </p:spPr>
-        <p:txBody>
-          <a:bodyPr/>
-          <a:lstStyle/>
-          <a:p>
-            <a:r>
-              <a:rPr lang="en-US" b="1" dirty="0">
-                <a:solidFill>
-                  <a:srgbClr val="002060"/>
-                </a:solidFill>
-              </a:rPr>
-              <a:t>Supervised Learning</a:t>
-            </a:r>
-          </a:p>
-          <a:p>
-            <a:r>
-              <a:rPr lang="en-US" b="1" dirty="0">
-                <a:solidFill>
-                  <a:srgbClr val="002060"/>
-                </a:solidFill>
-              </a:rPr>
-              <a:t>Unsupervised Learning</a:t>
-            </a:r>
-          </a:p>
-          <a:p>
-            <a:r>
-              <a:rPr lang="en-US" b="1" dirty="0">
-                <a:solidFill>
-                  <a:srgbClr val="002060"/>
-                </a:solidFill>
-              </a:rPr>
-              <a:t>Deep Learning</a:t>
-            </a:r>
-            <a:endParaRPr lang="en-IN" dirty="0">
-              <a:solidFill>
-                <a:srgbClr val="002060"/>
-              </a:solidFill>
-            </a:endParaRPr>
-          </a:p>
-        </p:txBody>
-      </p:sp>
+            <p:extLst>
+              <p:ext uri="{D42A27DB-BD31-4B8C-83A1-F6EECF244321}">
+                <p14:modId xmlns:p14="http://schemas.microsoft.com/office/powerpoint/2010/main" val="715996544"/>
+              </p:ext>
+            </p:extLst>
+          </p:nvPr>
+        </p:nvGraphicFramePr>
+        <p:xfrm>
+          <a:off x="838200" y="1825625"/>
+          <a:ext cx="10515597" cy="2494280"/>
+        </p:xfrm>
+        <a:graphic>
+          <a:graphicData uri="http://schemas.openxmlformats.org/drawingml/2006/table">
+            <a:tbl>
+              <a:tblPr firstRow="1" bandRow="1">
+                <a:tableStyleId>{793D81CF-94F2-401A-BA57-92F5A7B2D0C5}</a:tableStyleId>
+              </a:tblPr>
+              <a:tblGrid>
+                <a:gridCol w="2384685">
+                  <a:extLst>
+                    <a:ext uri="{9D8B030D-6E8A-4147-A177-3AD203B41FA5}">
+                      <a16:colId xmlns:a16="http://schemas.microsoft.com/office/drawing/2014/main" val="1599291190"/>
+                    </a:ext>
+                  </a:extLst>
+                </a:gridCol>
+                <a:gridCol w="4625713">
+                  <a:extLst>
+                    <a:ext uri="{9D8B030D-6E8A-4147-A177-3AD203B41FA5}">
+                      <a16:colId xmlns:a16="http://schemas.microsoft.com/office/drawing/2014/main" val="828589788"/>
+                    </a:ext>
+                  </a:extLst>
+                </a:gridCol>
+                <a:gridCol w="3505199">
+                  <a:extLst>
+                    <a:ext uri="{9D8B030D-6E8A-4147-A177-3AD203B41FA5}">
+                      <a16:colId xmlns:a16="http://schemas.microsoft.com/office/drawing/2014/main" val="1763284228"/>
+                    </a:ext>
+                  </a:extLst>
+                </a:gridCol>
+              </a:tblGrid>
+              <a:tr h="370840">
+                <a:tc>
+                  <a:txBody>
+                    <a:bodyPr/>
+                    <a:lstStyle/>
+                    <a:p>
+                      <a:r>
+                        <a:rPr lang="en-IN" dirty="0"/>
+                        <a:t>Technique</a:t>
+                      </a:r>
+                    </a:p>
+                  </a:txBody>
+                  <a:tcPr/>
+                </a:tc>
+                <a:tc>
+                  <a:txBody>
+                    <a:bodyPr/>
+                    <a:lstStyle/>
+                    <a:p>
+                      <a:r>
+                        <a:rPr lang="en-IN" dirty="0"/>
+                        <a:t>Description</a:t>
+                      </a:r>
+                    </a:p>
+                  </a:txBody>
+                  <a:tcPr/>
+                </a:tc>
+                <a:tc>
+                  <a:txBody>
+                    <a:bodyPr/>
+                    <a:lstStyle/>
+                    <a:p>
+                      <a:r>
+                        <a:rPr lang="en-IN" dirty="0"/>
+                        <a:t>Use Case</a:t>
+                      </a:r>
+                    </a:p>
+                  </a:txBody>
+                  <a:tcPr/>
+                </a:tc>
+                <a:extLst>
+                  <a:ext uri="{0D108BD9-81ED-4DB2-BD59-A6C34878D82A}">
+                    <a16:rowId xmlns:a16="http://schemas.microsoft.com/office/drawing/2014/main" val="868400389"/>
+                  </a:ext>
+                </a:extLst>
+              </a:tr>
+              <a:tr h="370840">
+                <a:tc>
+                  <a:txBody>
+                    <a:bodyPr/>
+                    <a:lstStyle/>
+                    <a:p>
+                      <a:r>
+                        <a:rPr lang="en-IN" dirty="0"/>
+                        <a:t>Min-Max Scaling</a:t>
+                      </a:r>
+                    </a:p>
+                  </a:txBody>
+                  <a:tcPr/>
+                </a:tc>
+                <a:tc>
+                  <a:txBody>
+                    <a:bodyPr/>
+                    <a:lstStyle/>
+                    <a:p>
+                      <a:r>
+                        <a:rPr lang="en-US" dirty="0"/>
+                        <a:t>Scales values to a fixed range (e.g., 0–1)</a:t>
+                      </a:r>
+                      <a:endParaRPr lang="en-IN" dirty="0"/>
+                    </a:p>
+                  </a:txBody>
+                  <a:tcPr/>
+                </a:tc>
+                <a:tc>
+                  <a:txBody>
+                    <a:bodyPr/>
+                    <a:lstStyle/>
+                    <a:p>
+                      <a:r>
+                        <a:rPr lang="en-IN" dirty="0"/>
+                        <a:t>Neural networks, image data</a:t>
+                      </a:r>
+                    </a:p>
+                  </a:txBody>
+                  <a:tcPr/>
+                </a:tc>
+                <a:extLst>
+                  <a:ext uri="{0D108BD9-81ED-4DB2-BD59-A6C34878D82A}">
+                    <a16:rowId xmlns:a16="http://schemas.microsoft.com/office/drawing/2014/main" val="4004129323"/>
+                  </a:ext>
+                </a:extLst>
+              </a:tr>
+              <a:tr h="370840">
+                <a:tc>
+                  <a:txBody>
+                    <a:bodyPr/>
+                    <a:lstStyle/>
+                    <a:p>
+                      <a:r>
+                        <a:rPr lang="en-IN" dirty="0"/>
+                        <a:t>Z-score Standardization</a:t>
+                      </a:r>
+                    </a:p>
+                  </a:txBody>
+                  <a:tcPr/>
+                </a:tc>
+                <a:tc>
+                  <a:txBody>
+                    <a:bodyPr/>
+                    <a:lstStyle/>
+                    <a:p>
+                      <a:r>
+                        <a:rPr lang="en-US" dirty="0"/>
+                        <a:t>Centers data around mean with unit variance</a:t>
+                      </a:r>
+                      <a:endParaRPr lang="en-IN" dirty="0"/>
+                    </a:p>
+                  </a:txBody>
+                  <a:tcPr/>
+                </a:tc>
+                <a:tc>
+                  <a:txBody>
+                    <a:bodyPr/>
+                    <a:lstStyle/>
+                    <a:p>
+                      <a:r>
+                        <a:rPr lang="en-IN" dirty="0"/>
+                        <a:t>Linear models, clustering</a:t>
+                      </a:r>
+                    </a:p>
+                  </a:txBody>
+                  <a:tcPr/>
+                </a:tc>
+                <a:extLst>
+                  <a:ext uri="{0D108BD9-81ED-4DB2-BD59-A6C34878D82A}">
+                    <a16:rowId xmlns:a16="http://schemas.microsoft.com/office/drawing/2014/main" val="3477987666"/>
+                  </a:ext>
+                </a:extLst>
+              </a:tr>
+              <a:tr h="370840">
+                <a:tc>
+                  <a:txBody>
+                    <a:bodyPr/>
+                    <a:lstStyle/>
+                    <a:p>
+                      <a:r>
+                        <a:rPr lang="en-IN" dirty="0"/>
+                        <a:t>Log Transformation</a:t>
+                      </a:r>
+                    </a:p>
+                  </a:txBody>
+                  <a:tcPr/>
+                </a:tc>
+                <a:tc>
+                  <a:txBody>
+                    <a:bodyPr/>
+                    <a:lstStyle/>
+                    <a:p>
+                      <a:r>
+                        <a:rPr lang="en-US" dirty="0"/>
+                        <a:t>Reduces skewness and compresses large values</a:t>
+                      </a:r>
+                      <a:endParaRPr lang="en-IN" dirty="0"/>
+                    </a:p>
+                  </a:txBody>
+                  <a:tcPr/>
+                </a:tc>
+                <a:tc>
+                  <a:txBody>
+                    <a:bodyPr/>
+                    <a:lstStyle/>
+                    <a:p>
+                      <a:r>
+                        <a:rPr lang="en-IN" dirty="0"/>
+                        <a:t>Income, population, exponential data</a:t>
+                      </a:r>
+                    </a:p>
+                  </a:txBody>
+                  <a:tcPr/>
+                </a:tc>
+                <a:extLst>
+                  <a:ext uri="{0D108BD9-81ED-4DB2-BD59-A6C34878D82A}">
+                    <a16:rowId xmlns:a16="http://schemas.microsoft.com/office/drawing/2014/main" val="3441356540"/>
+                  </a:ext>
+                </a:extLst>
+              </a:tr>
+              <a:tr h="370840">
+                <a:tc>
+                  <a:txBody>
+                    <a:bodyPr/>
+                    <a:lstStyle/>
+                    <a:p>
+                      <a:r>
+                        <a:rPr lang="en-IN" dirty="0"/>
+                        <a:t>Decimal Scaling</a:t>
+                      </a:r>
+                    </a:p>
+                  </a:txBody>
+                  <a:tcPr/>
+                </a:tc>
+                <a:tc>
+                  <a:txBody>
+                    <a:bodyPr/>
+                    <a:lstStyle/>
+                    <a:p>
+                      <a:r>
+                        <a:rPr lang="en-US" dirty="0"/>
+                        <a:t>Moves decimal point based on max value</a:t>
+                      </a:r>
+                      <a:endParaRPr lang="en-IN" dirty="0"/>
+                    </a:p>
+                  </a:txBody>
+                  <a:tcPr/>
+                </a:tc>
+                <a:tc>
+                  <a:txBody>
+                    <a:bodyPr/>
+                    <a:lstStyle/>
+                    <a:p>
+                      <a:r>
+                        <a:rPr lang="en-IN" dirty="0"/>
+                        <a:t>Simple numeric normalization</a:t>
+                      </a:r>
+                    </a:p>
+                  </a:txBody>
+                  <a:tcPr/>
+                </a:tc>
+                <a:extLst>
+                  <a:ext uri="{0D108BD9-81ED-4DB2-BD59-A6C34878D82A}">
+                    <a16:rowId xmlns:a16="http://schemas.microsoft.com/office/drawing/2014/main" val="4227055761"/>
+                  </a:ext>
+                </a:extLst>
+              </a:tr>
+              <a:tr h="370840">
+                <a:tc>
+                  <a:txBody>
+                    <a:bodyPr/>
+                    <a:lstStyle/>
+                    <a:p>
+                      <a:r>
+                        <a:rPr lang="en-IN" dirty="0"/>
+                        <a:t>Robust Scaling</a:t>
+                      </a:r>
+                    </a:p>
+                  </a:txBody>
+                  <a:tcPr/>
+                </a:tc>
+                <a:tc>
+                  <a:txBody>
+                    <a:bodyPr/>
+                    <a:lstStyle/>
+                    <a:p>
+                      <a:r>
+                        <a:rPr lang="en-US" dirty="0"/>
+                        <a:t>Uses median and IQR to reduce outlier impact</a:t>
+                      </a:r>
+                      <a:endParaRPr lang="en-IN" dirty="0"/>
+                    </a:p>
+                  </a:txBody>
+                  <a:tcPr/>
+                </a:tc>
+                <a:tc>
+                  <a:txBody>
+                    <a:bodyPr/>
+                    <a:lstStyle/>
+                    <a:p>
+                      <a:r>
+                        <a:rPr lang="en-IN" dirty="0"/>
+                        <a:t>Data with heavy outliers</a:t>
+                      </a:r>
+                    </a:p>
+                  </a:txBody>
+                  <a:tcPr/>
+                </a:tc>
+                <a:extLst>
+                  <a:ext uri="{0D108BD9-81ED-4DB2-BD59-A6C34878D82A}">
+                    <a16:rowId xmlns:a16="http://schemas.microsoft.com/office/drawing/2014/main" val="3434889963"/>
+                  </a:ext>
+                </a:extLst>
+              </a:tr>
+            </a:tbl>
+          </a:graphicData>
+        </a:graphic>
+      </p:graphicFrame>
     </p:spTree>
     <p:extLst>
       <p:ext uri="{BB962C8B-B14F-4D97-AF65-F5344CB8AC3E}">
-        <p14:creationId xmlns:p14="http://schemas.microsoft.com/office/powerpoint/2010/main" val="1248854694"/>
+        <p14:creationId xmlns:p14="http://schemas.microsoft.com/office/powerpoint/2010/main" val="1129660429"/>
       </p:ext>
     </p:extLst>
   </p:cSld>
@@ -5203,7 +5780,7 @@
         <p:cNvPr id="1" name="">
           <a:extLst>
             <a:ext uri="{FF2B5EF4-FFF2-40B4-BE49-F238E27FC236}">
-              <a16:creationId xmlns:a16="http://schemas.microsoft.com/office/drawing/2014/main" id="{E7AA1D02-136D-8F7F-374E-AE382BC03063}"/>
+              <a16:creationId xmlns:a16="http://schemas.microsoft.com/office/drawing/2014/main" id="{1559FEF5-2CA4-615A-2962-1F9D5D82BD6E}"/>
             </a:ext>
           </a:extLst>
         </p:cNvPr>
@@ -5223,7 +5800,7 @@
           <p:cNvPr id="9" name="Picture 8">
             <a:extLst>
               <a:ext uri="{FF2B5EF4-FFF2-40B4-BE49-F238E27FC236}">
-                <a16:creationId xmlns:a16="http://schemas.microsoft.com/office/drawing/2014/main" id="{E7093ADB-6CDE-1EFA-767B-454223F6BE2C}"/>
+                <a16:creationId xmlns:a16="http://schemas.microsoft.com/office/drawing/2014/main" id="{0B73067A-19A8-4494-C924-97FC18BF781A}"/>
               </a:ext>
             </a:extLst>
           </p:cNvPr>
@@ -5246,7 +5823,7 @@
         </p:blipFill>
         <p:spPr>
           <a:xfrm>
-            <a:off x="0" y="0"/>
+            <a:off x="0" y="4707"/>
             <a:ext cx="12192000" cy="6853293"/>
           </a:xfrm>
           <a:prstGeom prst="rect">
@@ -5259,7 +5836,7 @@
           <p:cNvPr id="12" name="Title 11">
             <a:extLst>
               <a:ext uri="{FF2B5EF4-FFF2-40B4-BE49-F238E27FC236}">
-                <a16:creationId xmlns:a16="http://schemas.microsoft.com/office/drawing/2014/main" id="{764EDC2E-9453-3590-CDEE-148E9E4055CA}"/>
+                <a16:creationId xmlns:a16="http://schemas.microsoft.com/office/drawing/2014/main" id="{FB4CB847-C363-319D-E892-CA64D23DB70C}"/>
               </a:ext>
             </a:extLst>
           </p:cNvPr>
@@ -5272,13 +5849,13 @@
         </p:nvSpPr>
         <p:spPr>
           <a:xfrm>
-            <a:off x="838200" y="1109273"/>
-            <a:ext cx="10515600" cy="3189156"/>
+            <a:off x="838200" y="1058779"/>
+            <a:ext cx="10659256" cy="665090"/>
           </a:xfrm>
         </p:spPr>
         <p:txBody>
           <a:bodyPr>
-            <a:normAutofit/>
+            <a:normAutofit fontScale="90000"/>
           </a:bodyPr>
           <a:lstStyle/>
           <a:p>
@@ -5288,78 +5865,47 @@
                   <a:srgbClr val="C00000"/>
                 </a:solidFill>
               </a:rPr>
-              <a:t>Supervised Learning</a:t>
-            </a:r>
-            <a:br>
-              <a:rPr lang="en-IN" dirty="0">
-                <a:solidFill>
-                  <a:srgbClr val="002060"/>
-                </a:solidFill>
-              </a:rPr>
-            </a:br>
-            <a:br>
-              <a:rPr lang="en-US" dirty="0">
-                <a:solidFill>
-                  <a:srgbClr val="002060"/>
-                </a:solidFill>
-              </a:rPr>
-            </a:br>
-            <a:br>
-              <a:rPr lang="en-US" dirty="0">
-                <a:solidFill>
-                  <a:srgbClr val="002060"/>
-                </a:solidFill>
-              </a:rPr>
-            </a:br>
-            <a:br>
-              <a:rPr lang="en-US" dirty="0">
-                <a:solidFill>
-                  <a:srgbClr val="002060"/>
-                </a:solidFill>
-              </a:rPr>
-            </a:br>
-            <a:endParaRPr lang="en-IN" b="1" dirty="0">
-              <a:solidFill>
-                <a:srgbClr val="FF0000"/>
-              </a:solidFill>
-            </a:endParaRPr>
-          </a:p>
-        </p:txBody>
-      </p:sp>
-      <p:sp>
-        <p:nvSpPr>
-          <p:cNvPr id="4" name="Content Placeholder 3">
-            <a:extLst>
-              <a:ext uri="{FF2B5EF4-FFF2-40B4-BE49-F238E27FC236}">
-                <a16:creationId xmlns:a16="http://schemas.microsoft.com/office/drawing/2014/main" id="{AB0C367C-6704-41A3-7DE2-9756C9777541}"/>
-              </a:ext>
-            </a:extLst>
-          </p:cNvPr>
-          <p:cNvSpPr>
-            <a:spLocks noGrp="1"/>
-          </p:cNvSpPr>
+              <a:t>Data Normalization in Analytics &amp; Machine Learning</a:t>
+            </a:r>
+          </a:p>
+        </p:txBody>
+      </p:sp>
+      <p:pic>
+        <p:nvPicPr>
+          <p:cNvPr id="6" name="Content Placeholder 5">
+            <a:extLst>
+              <a:ext uri="{FF2B5EF4-FFF2-40B4-BE49-F238E27FC236}">
+                <a16:creationId xmlns:a16="http://schemas.microsoft.com/office/drawing/2014/main" id="{CA4E61D6-7B85-E934-5FB1-EC72D19433C7}"/>
+              </a:ext>
+            </a:extLst>
+          </p:cNvPr>
+          <p:cNvPicPr>
+            <a:picLocks noGrp="1" noChangeAspect="1"/>
+          </p:cNvPicPr>
           <p:nvPr>
             <p:ph idx="1"/>
           </p:nvPr>
-        </p:nvSpPr>
+        </p:nvPicPr>
+        <p:blipFill>
+          <a:blip r:embed="rId3"/>
+          <a:stretch>
+            <a:fillRect/>
+          </a:stretch>
+        </p:blipFill>
         <p:spPr>
           <a:xfrm>
-            <a:off x="838200" y="2261937"/>
-            <a:ext cx="10515600" cy="3915026"/>
+            <a:off x="975569" y="2345248"/>
+            <a:ext cx="7843546" cy="3261073"/>
           </a:xfrm>
+          <a:prstGeom prst="rect">
+            <a:avLst/>
+          </a:prstGeom>
         </p:spPr>
-        <p:txBody>
-          <a:bodyPr/>
-          <a:lstStyle/>
-          <a:p>
-            <a:endParaRPr lang="en-IN" dirty="0"/>
-          </a:p>
-        </p:txBody>
-      </p:sp>
+      </p:pic>
     </p:spTree>
     <p:extLst>
       <p:ext uri="{BB962C8B-B14F-4D97-AF65-F5344CB8AC3E}">
-        <p14:creationId xmlns:p14="http://schemas.microsoft.com/office/powerpoint/2010/main" val="2329110552"/>
+        <p14:creationId xmlns:p14="http://schemas.microsoft.com/office/powerpoint/2010/main" val="3301299580"/>
       </p:ext>
     </p:extLst>
   </p:cSld>
@@ -5377,7 +5923,7 @@
         <p:cNvPr id="1" name="">
           <a:extLst>
             <a:ext uri="{FF2B5EF4-FFF2-40B4-BE49-F238E27FC236}">
-              <a16:creationId xmlns:a16="http://schemas.microsoft.com/office/drawing/2014/main" id="{9CF09576-E858-385A-6B65-E89E2DE87113}"/>
+              <a16:creationId xmlns:a16="http://schemas.microsoft.com/office/drawing/2014/main" id="{D24C0D33-20FD-F302-A54A-5835222EB4E6}"/>
             </a:ext>
           </a:extLst>
         </p:cNvPr>
@@ -5397,7 +5943,7 @@
           <p:cNvPr id="9" name="Picture 8">
             <a:extLst>
               <a:ext uri="{FF2B5EF4-FFF2-40B4-BE49-F238E27FC236}">
-                <a16:creationId xmlns:a16="http://schemas.microsoft.com/office/drawing/2014/main" id="{33BF3416-F596-A4E5-4C37-0D412E238B82}"/>
+                <a16:creationId xmlns:a16="http://schemas.microsoft.com/office/drawing/2014/main" id="{1A3BCAD4-8118-4E5A-E55E-35CDE3261CEB}"/>
               </a:ext>
             </a:extLst>
           </p:cNvPr>
@@ -5420,7 +5966,7 @@
         </p:blipFill>
         <p:spPr>
           <a:xfrm>
-            <a:off x="0" y="0"/>
+            <a:off x="0" y="4707"/>
             <a:ext cx="12192000" cy="6853293"/>
           </a:xfrm>
           <a:prstGeom prst="rect">
@@ -5433,7 +5979,7 @@
           <p:cNvPr id="12" name="Title 11">
             <a:extLst>
               <a:ext uri="{FF2B5EF4-FFF2-40B4-BE49-F238E27FC236}">
-                <a16:creationId xmlns:a16="http://schemas.microsoft.com/office/drawing/2014/main" id="{C81E761A-B771-599A-6E0D-BF4406F06A5E}"/>
+                <a16:creationId xmlns:a16="http://schemas.microsoft.com/office/drawing/2014/main" id="{0B7D59CB-8A11-C13B-B9AD-2D08CEB37883}"/>
               </a:ext>
             </a:extLst>
           </p:cNvPr>
@@ -5446,8 +5992,8 @@
         </p:nvSpPr>
         <p:spPr>
           <a:xfrm>
-            <a:off x="838200" y="1363581"/>
-            <a:ext cx="10515600" cy="3076074"/>
+            <a:off x="838200" y="1058779"/>
+            <a:ext cx="10659256" cy="665090"/>
           </a:xfrm>
         </p:spPr>
         <p:txBody>
@@ -5462,76 +6008,74 @@
                   <a:srgbClr val="C00000"/>
                 </a:solidFill>
               </a:rPr>
-              <a:t>Unsupervised Learning</a:t>
-            </a:r>
-            <a:br>
-              <a:rPr lang="en-IN" dirty="0">
+              <a:t>Data Normalization in Analytics &amp; Machine Learning</a:t>
+            </a:r>
+          </a:p>
+        </p:txBody>
+      </p:sp>
+      <p:sp>
+        <p:nvSpPr>
+          <p:cNvPr id="3" name="Content Placeholder 2">
+            <a:extLst>
+              <a:ext uri="{FF2B5EF4-FFF2-40B4-BE49-F238E27FC236}">
+                <a16:creationId xmlns:a16="http://schemas.microsoft.com/office/drawing/2014/main" id="{D6E80E07-BE82-7C1B-D315-241D21B16A47}"/>
+              </a:ext>
+            </a:extLst>
+          </p:cNvPr>
+          <p:cNvSpPr>
+            <a:spLocks noGrp="1"/>
+          </p:cNvSpPr>
+          <p:nvPr>
+            <p:ph idx="1"/>
+          </p:nvPr>
+        </p:nvSpPr>
+        <p:spPr/>
+        <p:txBody>
+          <a:bodyPr/>
+          <a:lstStyle/>
+          <a:p>
+            <a:pPr marL="0" indent="0">
+              <a:buNone/>
+            </a:pPr>
+            <a:r>
+              <a:rPr lang="en-US" b="1" dirty="0">
                 <a:solidFill>
-                  <a:srgbClr val="002060"/>
+                  <a:srgbClr val="FF0000"/>
                 </a:solidFill>
               </a:rPr>
-            </a:br>
-            <a:br>
-              <a:rPr lang="en-IN" dirty="0">
-                <a:solidFill>
-                  <a:srgbClr val="002060"/>
-                </a:solidFill>
-              </a:rPr>
-            </a:br>
-            <a:br>
+              <a:t>Benefits:</a:t>
+            </a:r>
+          </a:p>
+          <a:p>
+            <a:r>
               <a:rPr lang="en-US" dirty="0">
                 <a:solidFill>
                   <a:srgbClr val="002060"/>
                 </a:solidFill>
               </a:rPr>
-            </a:br>
-            <a:br>
+              <a:t>Ensures fair contribution of features</a:t>
+            </a:r>
+          </a:p>
+          <a:p>
+            <a:r>
               <a:rPr lang="en-US" dirty="0">
                 <a:solidFill>
                   <a:srgbClr val="002060"/>
                 </a:solidFill>
               </a:rPr>
-            </a:br>
-            <a:br>
+              <a:t>Improves model performance</a:t>
+            </a:r>
+          </a:p>
+          <a:p>
+            <a:r>
               <a:rPr lang="en-US" dirty="0">
                 <a:solidFill>
                   <a:srgbClr val="002060"/>
                 </a:solidFill>
               </a:rPr>
-            </a:br>
-            <a:endParaRPr lang="en-IN" b="1" dirty="0">
-              <a:solidFill>
-                <a:srgbClr val="FF0000"/>
-              </a:solidFill>
-            </a:endParaRPr>
-          </a:p>
-        </p:txBody>
-      </p:sp>
-      <p:sp>
-        <p:nvSpPr>
-          <p:cNvPr id="4" name="Content Placeholder 3">
-            <a:extLst>
-              <a:ext uri="{FF2B5EF4-FFF2-40B4-BE49-F238E27FC236}">
-                <a16:creationId xmlns:a16="http://schemas.microsoft.com/office/drawing/2014/main" id="{ED8A8A9C-83F7-2FA5-E8C6-CEA7A3C471CB}"/>
-              </a:ext>
-            </a:extLst>
-          </p:cNvPr>
-          <p:cNvSpPr>
-            <a:spLocks noGrp="1"/>
-          </p:cNvSpPr>
-          <p:nvPr>
-            <p:ph idx="1"/>
-          </p:nvPr>
-        </p:nvSpPr>
-        <p:spPr>
-          <a:xfrm>
-            <a:off x="838200" y="2261937"/>
-            <a:ext cx="10515600" cy="3915026"/>
-          </a:xfrm>
-        </p:spPr>
-        <p:txBody>
-          <a:bodyPr/>
-          <a:lstStyle/>
+              <a:t>Enables faster convergence in gradient-based algorithms</a:t>
+            </a:r>
+          </a:p>
           <a:p>
             <a:endParaRPr lang="en-IN" dirty="0"/>
           </a:p>
@@ -5540,7 +6084,7 @@
     </p:spTree>
     <p:extLst>
       <p:ext uri="{BB962C8B-B14F-4D97-AF65-F5344CB8AC3E}">
-        <p14:creationId xmlns:p14="http://schemas.microsoft.com/office/powerpoint/2010/main" val="3334215418"/>
+        <p14:creationId xmlns:p14="http://schemas.microsoft.com/office/powerpoint/2010/main" val="1019460371"/>
       </p:ext>
     </p:extLst>
   </p:cSld>
